--- a/Requirements Specification/Requirement Specification Presentation.pptx
+++ b/Requirements Specification/Requirement Specification Presentation.pptx
@@ -18,22 +18,21 @@
     <p:sldId id="267" r:id="rId12"/>
     <p:sldId id="268" r:id="rId13"/>
     <p:sldId id="269" r:id="rId14"/>
-    <p:sldId id="271" r:id="rId15"/>
-    <p:sldId id="270" r:id="rId16"/>
-    <p:sldId id="272" r:id="rId17"/>
-    <p:sldId id="273" r:id="rId18"/>
-    <p:sldId id="274" r:id="rId19"/>
-    <p:sldId id="275" r:id="rId20"/>
-    <p:sldId id="276" r:id="rId21"/>
-    <p:sldId id="277" r:id="rId22"/>
-    <p:sldId id="278" r:id="rId23"/>
-    <p:sldId id="279" r:id="rId24"/>
-    <p:sldId id="280" r:id="rId25"/>
-    <p:sldId id="281" r:id="rId26"/>
-    <p:sldId id="282" r:id="rId27"/>
-    <p:sldId id="283" r:id="rId28"/>
-    <p:sldId id="284" r:id="rId29"/>
-    <p:sldId id="285" r:id="rId30"/>
+    <p:sldId id="270" r:id="rId15"/>
+    <p:sldId id="272" r:id="rId16"/>
+    <p:sldId id="273" r:id="rId17"/>
+    <p:sldId id="274" r:id="rId18"/>
+    <p:sldId id="275" r:id="rId19"/>
+    <p:sldId id="276" r:id="rId20"/>
+    <p:sldId id="277" r:id="rId21"/>
+    <p:sldId id="278" r:id="rId22"/>
+    <p:sldId id="279" r:id="rId23"/>
+    <p:sldId id="280" r:id="rId24"/>
+    <p:sldId id="281" r:id="rId25"/>
+    <p:sldId id="282" r:id="rId26"/>
+    <p:sldId id="283" r:id="rId27"/>
+    <p:sldId id="284" r:id="rId28"/>
+    <p:sldId id="285" r:id="rId29"/>
   </p:sldIdLst>
   <p:sldSz cx="9144000" cy="6858000" type="screen4x3"/>
   <p:notesSz cx="6858000" cy="9144000"/>
@@ -342,7 +341,7 @@
           <a:p>
             <a:fld id="{CE594285-0EAF-4454-8D22-B41F5013228C}" type="datetimeFigureOut">
               <a:rPr lang="en-US" smtClean="0"/>
-              <a:t>2/15/2015</a:t>
+              <a:t>2/17/2015</a:t>
             </a:fld>
             <a:endParaRPr lang="en-US"/>
           </a:p>
@@ -536,7 +535,7 @@
           <a:p>
             <a:fld id="{CE594285-0EAF-4454-8D22-B41F5013228C}" type="datetimeFigureOut">
               <a:rPr lang="en-US" smtClean="0"/>
-              <a:t>2/15/2015</a:t>
+              <a:t>2/17/2015</a:t>
             </a:fld>
             <a:endParaRPr lang="en-US"/>
           </a:p>
@@ -724,7 +723,7 @@
           <a:p>
             <a:fld id="{CE594285-0EAF-4454-8D22-B41F5013228C}" type="datetimeFigureOut">
               <a:rPr lang="en-US" smtClean="0"/>
-              <a:t>2/15/2015</a:t>
+              <a:t>2/17/2015</a:t>
             </a:fld>
             <a:endParaRPr lang="en-US"/>
           </a:p>
@@ -953,7 +952,7 @@
           <a:p>
             <a:fld id="{CE594285-0EAF-4454-8D22-B41F5013228C}" type="datetimeFigureOut">
               <a:rPr lang="en-US" smtClean="0"/>
-              <a:t>2/15/2015</a:t>
+              <a:t>2/17/2015</a:t>
             </a:fld>
             <a:endParaRPr lang="en-US"/>
           </a:p>
@@ -1234,7 +1233,7 @@
           <a:p>
             <a:fld id="{CE594285-0EAF-4454-8D22-B41F5013228C}" type="datetimeFigureOut">
               <a:rPr lang="en-US" smtClean="0"/>
-              <a:t>2/15/2015</a:t>
+              <a:t>2/17/2015</a:t>
             </a:fld>
             <a:endParaRPr lang="en-US"/>
           </a:p>
@@ -1522,7 +1521,7 @@
           <a:p>
             <a:fld id="{CE594285-0EAF-4454-8D22-B41F5013228C}" type="datetimeFigureOut">
               <a:rPr lang="en-US" smtClean="0"/>
-              <a:t>2/15/2015</a:t>
+              <a:t>2/17/2015</a:t>
             </a:fld>
             <a:endParaRPr lang="en-US"/>
           </a:p>
@@ -2076,7 +2075,7 @@
           <a:p>
             <a:fld id="{CE594285-0EAF-4454-8D22-B41F5013228C}" type="datetimeFigureOut">
               <a:rPr lang="en-US" smtClean="0"/>
-              <a:t>2/15/2015</a:t>
+              <a:t>2/17/2015</a:t>
             </a:fld>
             <a:endParaRPr lang="en-US"/>
           </a:p>
@@ -2207,7 +2206,7 @@
           <a:p>
             <a:fld id="{CE594285-0EAF-4454-8D22-B41F5013228C}" type="datetimeFigureOut">
               <a:rPr lang="en-US" smtClean="0"/>
-              <a:t>2/15/2015</a:t>
+              <a:t>2/17/2015</a:t>
             </a:fld>
             <a:endParaRPr lang="en-US"/>
           </a:p>
@@ -2357,7 +2356,7 @@
           <a:p>
             <a:fld id="{CE594285-0EAF-4454-8D22-B41F5013228C}" type="datetimeFigureOut">
               <a:rPr lang="en-US" smtClean="0"/>
-              <a:t>2/15/2015</a:t>
+              <a:t>2/17/2015</a:t>
             </a:fld>
             <a:endParaRPr lang="en-US"/>
           </a:p>
@@ -2678,7 +2677,7 @@
           <a:p>
             <a:fld id="{CE594285-0EAF-4454-8D22-B41F5013228C}" type="datetimeFigureOut">
               <a:rPr lang="en-US" smtClean="0"/>
-              <a:t>2/15/2015</a:t>
+              <a:t>2/17/2015</a:t>
             </a:fld>
             <a:endParaRPr lang="en-US"/>
           </a:p>
@@ -2975,7 +2974,7 @@
           <a:p>
             <a:fld id="{CE594285-0EAF-4454-8D22-B41F5013228C}" type="datetimeFigureOut">
               <a:rPr lang="en-US" smtClean="0"/>
-              <a:t>2/15/2015</a:t>
+              <a:t>2/17/2015</a:t>
             </a:fld>
             <a:endParaRPr lang="en-US"/>
           </a:p>
@@ -3220,7 +3219,7 @@
           <a:p>
             <a:fld id="{CE594285-0EAF-4454-8D22-B41F5013228C}" type="datetimeFigureOut">
               <a:rPr lang="en-US" smtClean="0"/>
-              <a:t>2/15/2015</a:t>
+              <a:t>2/17/2015</a:t>
             </a:fld>
             <a:endParaRPr lang="en-US"/>
           </a:p>
@@ -4268,72 +4267,116 @@
         <p:spPr/>
         <p:txBody>
           <a:bodyPr>
-            <a:normAutofit fontScale="77500" lnSpcReduction="20000"/>
+            <a:normAutofit fontScale="47500" lnSpcReduction="20000"/>
           </a:bodyPr>
           <a:lstStyle/>
           <a:p>
             <a:r>
-              <a:rPr lang="en-US" b="1" dirty="0" smtClean="0"/>
+              <a:rPr lang="en-US" sz="4000" b="1" dirty="0" smtClean="0"/>
               <a:t>Hardware Interfaces</a:t>
             </a:r>
           </a:p>
           <a:p>
             <a:pPr lvl="1"/>
             <a:r>
-              <a:rPr lang="en-US" sz="2800" dirty="0" smtClean="0"/>
+              <a:rPr lang="en-US" sz="3200" dirty="0"/>
+              <a:t>T</a:t>
+            </a:r>
+            <a:r>
+              <a:rPr lang="en-US" sz="3200" dirty="0" smtClean="0"/>
+              <a:t>wo </a:t>
+            </a:r>
+            <a:r>
+              <a:rPr lang="en-US" sz="3200" dirty="0"/>
+              <a:t>types of hardware interfaces: </a:t>
+            </a:r>
+            <a:endParaRPr lang="en-US" sz="3200" dirty="0" smtClean="0"/>
+          </a:p>
+          <a:p>
+            <a:pPr lvl="2"/>
+            <a:r>
+              <a:rPr lang="en-US" sz="3300" dirty="0" smtClean="0"/>
+              <a:t>a webserver - the </a:t>
+            </a:r>
+            <a:r>
+              <a:rPr lang="en-US" sz="3300" dirty="0"/>
+              <a:t>physical machine hosting the site, including the server software it runs; </a:t>
+            </a:r>
+            <a:r>
+              <a:rPr lang="en-US" sz="3300" dirty="0" smtClean="0"/>
+              <a:t>will </a:t>
+            </a:r>
+            <a:r>
+              <a:rPr lang="en-US" sz="3300" dirty="0"/>
+              <a:t>receive HTTP requests and provide HTTP responses, ensuring the constant availability of the application. </a:t>
+            </a:r>
+            <a:r>
+              <a:rPr lang="en-US" sz="3300" dirty="0" smtClean="0"/>
+              <a:t>Additionally</a:t>
+            </a:r>
+            <a:r>
+              <a:rPr lang="en-US" sz="3300" dirty="0"/>
+              <a:t>, each user of the application will access </a:t>
+            </a:r>
+            <a:r>
+              <a:rPr lang="en-US" sz="3300" dirty="0" smtClean="0"/>
+              <a:t>it</a:t>
+            </a:r>
+          </a:p>
+          <a:p>
+            <a:pPr lvl="2"/>
+            <a:r>
+              <a:rPr lang="en-US" sz="3300" dirty="0" smtClean="0"/>
+              <a:t>user machine - using </a:t>
+            </a:r>
+            <a:r>
+              <a:rPr lang="en-US" sz="3300" dirty="0"/>
+              <a:t>his or her own machine, whether that be in a desktop environment, or through a laptop, smartphone, or tablet. </a:t>
+            </a:r>
+            <a:endParaRPr lang="en-US" sz="3300" dirty="0" smtClean="0"/>
+          </a:p>
+          <a:p>
+            <a:pPr lvl="1"/>
+            <a:endParaRPr lang="en-US" dirty="0" smtClean="0"/>
+          </a:p>
+          <a:p>
+            <a:r>
+              <a:rPr lang="en-US" sz="4000" b="1" dirty="0" smtClean="0"/>
+              <a:t>Software Interfaces</a:t>
+            </a:r>
+          </a:p>
+          <a:p>
+            <a:pPr lvl="1"/>
+            <a:r>
+              <a:rPr lang="en-US" sz="3300" dirty="0" smtClean="0"/>
               <a:t>EJCA </a:t>
             </a:r>
             <a:r>
-              <a:rPr lang="en-US" sz="2800" dirty="0"/>
-              <a:t>does not use any hardware interfaces</a:t>
-            </a:r>
-            <a:r>
-              <a:rPr lang="en-US" sz="2800" dirty="0" smtClean="0"/>
-              <a:t>.</a:t>
+              <a:rPr lang="en-US" sz="3300" dirty="0"/>
+              <a:t>will run on MVC architecture. The messages passed would be GET and POST requests from the user or admin, as well as calls to insert, delete, or select data from our </a:t>
+            </a:r>
+            <a:r>
+              <a:rPr lang="en-US" sz="3300" dirty="0" smtClean="0"/>
+              <a:t>database.</a:t>
+            </a:r>
+          </a:p>
+          <a:p>
+            <a:endParaRPr lang="en-US" b="1" dirty="0"/>
+          </a:p>
+          <a:p>
+            <a:r>
+              <a:rPr lang="en-US" sz="4000" b="1" dirty="0" smtClean="0"/>
+              <a:t>Communications </a:t>
+            </a:r>
+            <a:r>
+              <a:rPr lang="en-US" sz="4000" b="1" dirty="0"/>
+              <a:t>Interfaces</a:t>
             </a:r>
           </a:p>
           <a:p>
             <a:pPr lvl="1"/>
-            <a:endParaRPr lang="en-US" dirty="0"/>
-          </a:p>
-          <a:p>
-            <a:r>
-              <a:rPr lang="en-US" b="1" dirty="0" smtClean="0"/>
-              <a:t>Software Interfaces</a:t>
-            </a:r>
-          </a:p>
-          <a:p>
-            <a:pPr lvl="1"/>
-            <a:r>
-              <a:rPr lang="en-US" sz="2800" dirty="0" smtClean="0"/>
-              <a:t>EJCA </a:t>
-            </a:r>
-            <a:r>
-              <a:rPr lang="en-US" sz="2800" dirty="0"/>
-              <a:t>will run on MVC architecture. The messages passed would be GET and POST requests from the user or admin, as well as calls to insert, delete, or select data from our </a:t>
-            </a:r>
-            <a:r>
-              <a:rPr lang="en-US" sz="2800" dirty="0" smtClean="0"/>
-              <a:t>database.</a:t>
-            </a:r>
-          </a:p>
-          <a:p>
-            <a:endParaRPr lang="en-US" b="1" dirty="0"/>
-          </a:p>
-          <a:p>
-            <a:r>
-              <a:rPr lang="en-US" b="1" dirty="0" smtClean="0"/>
-              <a:t>Communications </a:t>
-            </a:r>
-            <a:r>
-              <a:rPr lang="en-US" b="1" dirty="0"/>
-              <a:t>Interfaces</a:t>
-            </a:r>
-          </a:p>
-          <a:p>
-            <a:pPr lvl="1"/>
-            <a:r>
-              <a:rPr lang="en-US" sz="2800" dirty="0"/>
+            <a:r>
+              <a:rPr lang="en-US" sz="3300" dirty="0"/>
               <a:t>The communication between the different parts of the system is important since they depend on each other. However, in what way the communication is achieved is not important for the system and is therefore handled by the server where the application is deployed on.</a:t>
             </a:r>
           </a:p>
@@ -4439,873 +4482,6 @@
           </a:p>
         </p:txBody>
       </p:sp>
-      <p:graphicFrame>
-        <p:nvGraphicFramePr>
-          <p:cNvPr id="5" name="Table 4"/>
-          <p:cNvGraphicFramePr>
-            <a:graphicFrameLocks noGrp="1"/>
-          </p:cNvGraphicFramePr>
-          <p:nvPr>
-            <p:extLst>
-              <p:ext uri="{D42A27DB-BD31-4B8C-83A1-F6EECF244321}">
-                <p14:modId xmlns:p14="http://schemas.microsoft.com/office/powerpoint/2010/main" val="1648300252"/>
-              </p:ext>
-            </p:extLst>
-          </p:nvPr>
-        </p:nvGraphicFramePr>
-        <p:xfrm>
-          <a:off x="3200401" y="-5486400"/>
-          <a:ext cx="3886200" cy="22616160"/>
-        </p:xfrm>
-        <a:graphic>
-          <a:graphicData uri="http://schemas.openxmlformats.org/drawingml/2006/table">
-            <a:tbl>
-              <a:tblPr firstRow="1" bandRow="1">
-                <a:tableStyleId>{5C22544A-7EE6-4342-B048-85BDC9FD1C3A}</a:tableStyleId>
-              </a:tblPr>
-              <a:tblGrid>
-                <a:gridCol w="437028"/>
-                <a:gridCol w="656773"/>
-                <a:gridCol w="2164171"/>
-                <a:gridCol w="628228"/>
-              </a:tblGrid>
-              <a:tr h="210890">
-                <a:tc>
-                  <a:txBody>
-                    <a:bodyPr/>
-                    <a:lstStyle/>
-                    <a:p>
-                      <a:pPr algn="ctr"/>
-                      <a:r>
-                        <a:rPr lang="en-US" sz="1600" dirty="0" smtClean="0"/>
-                        <a:t>FR</a:t>
-                      </a:r>
-                      <a:endParaRPr lang="en-US" sz="1600" dirty="0"/>
-                    </a:p>
-                  </a:txBody>
-                  <a:tcPr/>
-                </a:tc>
-                <a:tc>
-                  <a:txBody>
-                    <a:bodyPr/>
-                    <a:lstStyle/>
-                    <a:p>
-                      <a:pPr algn="ctr"/>
-                      <a:r>
-                        <a:rPr lang="en-US" sz="1600" dirty="0" smtClean="0"/>
-                        <a:t>TITLE</a:t>
-                      </a:r>
-                      <a:endParaRPr lang="en-US" sz="1600" dirty="0"/>
-                    </a:p>
-                  </a:txBody>
-                  <a:tcPr/>
-                </a:tc>
-                <a:tc>
-                  <a:txBody>
-                    <a:bodyPr/>
-                    <a:lstStyle/>
-                    <a:p>
-                      <a:pPr algn="ctr"/>
-                      <a:r>
-                        <a:rPr lang="en-US" sz="1600" dirty="0" smtClean="0"/>
-                        <a:t>DESCRIPTION</a:t>
-                      </a:r>
-                      <a:endParaRPr lang="en-US" sz="1600" dirty="0"/>
-                    </a:p>
-                  </a:txBody>
-                  <a:tcPr/>
-                </a:tc>
-                <a:tc>
-                  <a:txBody>
-                    <a:bodyPr/>
-                    <a:lstStyle/>
-                    <a:p>
-                      <a:pPr algn="ctr"/>
-                      <a:r>
-                        <a:rPr lang="en-US" sz="1600" dirty="0" smtClean="0"/>
-                        <a:t>REQ</a:t>
-                      </a:r>
-                      <a:endParaRPr lang="en-US" sz="1600" dirty="0"/>
-                    </a:p>
-                  </a:txBody>
-                  <a:tcPr/>
-                </a:tc>
-              </a:tr>
-              <a:tr h="824387">
-                <a:tc>
-                  <a:txBody>
-                    <a:bodyPr/>
-                    <a:lstStyle/>
-                    <a:p>
-                      <a:r>
-                        <a:rPr lang="en-US" sz="1600" dirty="0" smtClean="0"/>
-                        <a:t>3.2.1.1</a:t>
-                      </a:r>
-                      <a:endParaRPr lang="en-US" sz="1600" dirty="0"/>
-                    </a:p>
-                  </a:txBody>
-                  <a:tcPr/>
-                </a:tc>
-                <a:tc>
-                  <a:txBody>
-                    <a:bodyPr/>
-                    <a:lstStyle/>
-                    <a:p>
-                      <a:r>
-                        <a:rPr lang="en-US" sz="1600" dirty="0" smtClean="0"/>
-                        <a:t>Search</a:t>
-                      </a:r>
-                      <a:endParaRPr lang="en-US" sz="1600" dirty="0"/>
-                    </a:p>
-                  </a:txBody>
-                  <a:tcPr/>
-                </a:tc>
-                <a:tc>
-                  <a:txBody>
-                    <a:bodyPr/>
-                    <a:lstStyle/>
-                    <a:p>
-                      <a:r>
-                        <a:rPr kumimoji="0" lang="en-US" sz="1600" kern="1200" dirty="0" smtClean="0">
-                          <a:solidFill>
-                            <a:schemeClr val="dk1"/>
-                          </a:solidFill>
-                          <a:effectLst/>
-                          <a:latin typeface="+mn-lt"/>
-                          <a:ea typeface="+mn-ea"/>
-                          <a:cs typeface="+mn-cs"/>
-                        </a:rPr>
-                        <a:t>User can search for various jobs available. When user opens the website, the page will show      available jobs. User can search among these jobs.</a:t>
-                      </a:r>
-                      <a:endParaRPr lang="en-US" sz="1600" dirty="0"/>
-                    </a:p>
-                  </a:txBody>
-                  <a:tcPr/>
-                </a:tc>
-                <a:tc>
-                  <a:txBody>
-                    <a:bodyPr/>
-                    <a:lstStyle/>
-                    <a:p>
-                      <a:r>
-                        <a:rPr lang="en-US" sz="1600" dirty="0" smtClean="0"/>
-                        <a:t>None</a:t>
-                      </a:r>
-                      <a:endParaRPr lang="en-US" sz="1600" dirty="0"/>
-                    </a:p>
-                  </a:txBody>
-                  <a:tcPr/>
-                </a:tc>
-              </a:tr>
-              <a:tr h="1131135">
-                <a:tc>
-                  <a:txBody>
-                    <a:bodyPr/>
-                    <a:lstStyle/>
-                    <a:p>
-                      <a:r>
-                        <a:rPr lang="en-US" sz="1600" dirty="0" smtClean="0"/>
-                        <a:t>3.2.1.2</a:t>
-                      </a:r>
-                      <a:endParaRPr lang="en-US" sz="1600" dirty="0"/>
-                    </a:p>
-                  </a:txBody>
-                  <a:tcPr/>
-                </a:tc>
-                <a:tc>
-                  <a:txBody>
-                    <a:bodyPr/>
-                    <a:lstStyle/>
-                    <a:p>
-                      <a:r>
-                        <a:rPr lang="en-US" sz="1600" b="0" dirty="0" smtClean="0"/>
-                        <a:t>Register</a:t>
-                      </a:r>
-                      <a:endParaRPr lang="en-US" sz="1600" b="0" dirty="0"/>
-                    </a:p>
-                  </a:txBody>
-                  <a:tcPr/>
-                </a:tc>
-                <a:tc>
-                  <a:txBody>
-                    <a:bodyPr/>
-                    <a:lstStyle/>
-                    <a:p>
-                      <a:pPr marL="0" marR="0" indent="0" algn="l" defTabSz="914400" rtl="0" eaLnBrk="1" fontAlgn="auto" latinLnBrk="0" hangingPunct="1">
-                        <a:lnSpc>
-                          <a:spcPct val="100000"/>
-                        </a:lnSpc>
-                        <a:spcBef>
-                          <a:spcPts val="0"/>
-                        </a:spcBef>
-                        <a:spcAft>
-                          <a:spcPts val="0"/>
-                        </a:spcAft>
-                        <a:buClrTx/>
-                        <a:buSzTx/>
-                        <a:buFontTx/>
-                        <a:buNone/>
-                        <a:tabLst/>
-                        <a:defRPr/>
-                      </a:pPr>
-                      <a:r>
-                        <a:rPr kumimoji="0" lang="en-US" sz="1600" b="0" i="0" kern="1200" dirty="0" smtClean="0">
-                          <a:solidFill>
-                            <a:schemeClr val="dk1"/>
-                          </a:solidFill>
-                          <a:effectLst/>
-                          <a:latin typeface="+mn-lt"/>
-                          <a:ea typeface="+mn-ea"/>
-                          <a:cs typeface="+mn-cs"/>
-                        </a:rPr>
-                        <a:t>User can create a new account by providing personal information such as email id, password and first and last name. This information will be stored in database and email id and password will be used to log in user.</a:t>
-                      </a:r>
-                      <a:endParaRPr kumimoji="0" lang="en-US" sz="1600" b="0" i="1" kern="1200" dirty="0" smtClean="0">
-                        <a:solidFill>
-                          <a:schemeClr val="dk1"/>
-                        </a:solidFill>
-                        <a:effectLst/>
-                        <a:latin typeface="+mn-lt"/>
-                        <a:ea typeface="+mn-ea"/>
-                        <a:cs typeface="+mn-cs"/>
-                      </a:endParaRPr>
-                    </a:p>
-                    <a:p>
-                      <a:endParaRPr lang="en-US" sz="1600" b="0" dirty="0"/>
-                    </a:p>
-                  </a:txBody>
-                  <a:tcPr/>
-                </a:tc>
-                <a:tc>
-                  <a:txBody>
-                    <a:bodyPr/>
-                    <a:lstStyle/>
-                    <a:p>
-                      <a:r>
-                        <a:rPr lang="en-US" sz="1600" dirty="0" smtClean="0"/>
-                        <a:t>None</a:t>
-                      </a:r>
-                      <a:endParaRPr lang="en-US" sz="1600" dirty="0"/>
-                    </a:p>
-                  </a:txBody>
-                  <a:tcPr/>
-                </a:tc>
-              </a:tr>
-              <a:tr h="824387">
-                <a:tc>
-                  <a:txBody>
-                    <a:bodyPr/>
-                    <a:lstStyle/>
-                    <a:p>
-                      <a:r>
-                        <a:rPr lang="en-US" sz="1600" dirty="0" smtClean="0"/>
-                        <a:t>3.2.1.3</a:t>
-                      </a:r>
-                      <a:endParaRPr lang="en-US" sz="1600" dirty="0"/>
-                    </a:p>
-                  </a:txBody>
-                  <a:tcPr/>
-                </a:tc>
-                <a:tc>
-                  <a:txBody>
-                    <a:bodyPr/>
-                    <a:lstStyle/>
-                    <a:p>
-                      <a:r>
-                        <a:rPr lang="en-US" sz="1600" b="0" dirty="0" smtClean="0"/>
-                        <a:t>Login</a:t>
-                      </a:r>
-                      <a:endParaRPr lang="en-US" sz="1600" b="0" dirty="0"/>
-                    </a:p>
-                  </a:txBody>
-                  <a:tcPr/>
-                </a:tc>
-                <a:tc>
-                  <a:txBody>
-                    <a:bodyPr/>
-                    <a:lstStyle/>
-                    <a:p>
-                      <a:pPr marL="0" marR="0" indent="0" algn="l" defTabSz="914400" rtl="0" eaLnBrk="1" fontAlgn="auto" latinLnBrk="0" hangingPunct="1">
-                        <a:lnSpc>
-                          <a:spcPct val="100000"/>
-                        </a:lnSpc>
-                        <a:spcBef>
-                          <a:spcPts val="0"/>
-                        </a:spcBef>
-                        <a:spcAft>
-                          <a:spcPts val="0"/>
-                        </a:spcAft>
-                        <a:buClrTx/>
-                        <a:buSzTx/>
-                        <a:buFontTx/>
-                        <a:buNone/>
-                        <a:tabLst/>
-                        <a:defRPr/>
-                      </a:pPr>
-                      <a:r>
-                        <a:rPr kumimoji="0" lang="en-US" sz="1600" b="0" kern="1200" dirty="0" smtClean="0">
-                          <a:solidFill>
-                            <a:schemeClr val="dk1"/>
-                          </a:solidFill>
-                          <a:effectLst/>
-                          <a:latin typeface="+mn-lt"/>
-                          <a:ea typeface="+mn-ea"/>
-                          <a:cs typeface="+mn-cs"/>
-                        </a:rPr>
-                        <a:t>Given that a user has registered, then the user can login by entering email id and password entered during registration process. </a:t>
-                      </a:r>
-                    </a:p>
-                    <a:p>
-                      <a:endParaRPr lang="en-US" sz="1600" b="0" dirty="0"/>
-                    </a:p>
-                  </a:txBody>
-                  <a:tcPr/>
-                </a:tc>
-                <a:tc>
-                  <a:txBody>
-                    <a:bodyPr/>
-                    <a:lstStyle/>
-                    <a:p>
-                      <a:r>
-                        <a:rPr lang="en-US" sz="1600" dirty="0" smtClean="0"/>
-                        <a:t>3.2.1.2</a:t>
-                      </a:r>
-                      <a:endParaRPr lang="en-US" sz="1600" dirty="0"/>
-                    </a:p>
-                  </a:txBody>
-                  <a:tcPr/>
-                </a:tc>
-              </a:tr>
-              <a:tr h="977761">
-                <a:tc>
-                  <a:txBody>
-                    <a:bodyPr/>
-                    <a:lstStyle/>
-                    <a:p>
-                      <a:r>
-                        <a:rPr lang="en-US" sz="1600" dirty="0" smtClean="0"/>
-                        <a:t>3.2.1.4</a:t>
-                      </a:r>
-                      <a:endParaRPr lang="en-US" sz="1600" dirty="0"/>
-                    </a:p>
-                  </a:txBody>
-                  <a:tcPr/>
-                </a:tc>
-                <a:tc>
-                  <a:txBody>
-                    <a:bodyPr/>
-                    <a:lstStyle/>
-                    <a:p>
-                      <a:r>
-                        <a:rPr lang="en-US" sz="1600" dirty="0" smtClean="0"/>
-                        <a:t>Retrieve</a:t>
-                      </a:r>
-                      <a:r>
-                        <a:rPr lang="en-US" sz="1600" baseline="0" dirty="0" smtClean="0"/>
-                        <a:t> Password</a:t>
-                      </a:r>
-                      <a:endParaRPr lang="en-US" sz="1600" dirty="0"/>
-                    </a:p>
-                  </a:txBody>
-                  <a:tcPr/>
-                </a:tc>
-                <a:tc>
-                  <a:txBody>
-                    <a:bodyPr/>
-                    <a:lstStyle/>
-                    <a:p>
-                      <a:r>
-                        <a:rPr kumimoji="0" lang="en-US" sz="1600" kern="1200" dirty="0" smtClean="0">
-                          <a:solidFill>
-                            <a:schemeClr val="dk1"/>
-                          </a:solidFill>
-                          <a:effectLst/>
-                          <a:latin typeface="+mn-lt"/>
-                          <a:ea typeface="+mn-ea"/>
-                          <a:cs typeface="+mn-cs"/>
-                        </a:rPr>
-                        <a:t>Given that a user has registered, then the user should be able to retrieve password through                                                                                   </a:t>
-                      </a:r>
-                      <a:r>
-                        <a:rPr kumimoji="0" lang="en-US" sz="1600" kern="1200" baseline="0" dirty="0" smtClean="0">
-                          <a:solidFill>
-                            <a:schemeClr val="dk1"/>
-                          </a:solidFill>
-                          <a:effectLst/>
-                          <a:latin typeface="+mn-lt"/>
-                          <a:ea typeface="+mn-ea"/>
-                          <a:cs typeface="+mn-cs"/>
-                        </a:rPr>
-                        <a:t>     </a:t>
-                      </a:r>
-                      <a:r>
-                        <a:rPr kumimoji="0" lang="en-US" sz="1600" kern="1200" dirty="0" smtClean="0">
-                          <a:solidFill>
-                            <a:schemeClr val="dk1"/>
-                          </a:solidFill>
-                          <a:effectLst/>
-                          <a:latin typeface="+mn-lt"/>
-                          <a:ea typeface="+mn-ea"/>
-                          <a:cs typeface="+mn-cs"/>
-                        </a:rPr>
-                        <a:t>email. User can request to change password which will send further instruction to their email.</a:t>
-                      </a:r>
-                      <a:endParaRPr lang="en-US" sz="1600" dirty="0"/>
-                    </a:p>
-                  </a:txBody>
-                  <a:tcPr/>
-                </a:tc>
-                <a:tc>
-                  <a:txBody>
-                    <a:bodyPr/>
-                    <a:lstStyle/>
-                    <a:p>
-                      <a:r>
-                        <a:rPr lang="en-US" sz="1600" dirty="0" smtClean="0"/>
-                        <a:t>3.2.1.2</a:t>
-                      </a:r>
-                      <a:endParaRPr lang="en-US" sz="1600" dirty="0"/>
-                    </a:p>
-                  </a:txBody>
-                  <a:tcPr/>
-                </a:tc>
-              </a:tr>
-              <a:tr h="671012">
-                <a:tc>
-                  <a:txBody>
-                    <a:bodyPr/>
-                    <a:lstStyle/>
-                    <a:p>
-                      <a:r>
-                        <a:rPr lang="en-US" sz="1600" dirty="0" smtClean="0"/>
-                        <a:t>3.2.1.5</a:t>
-                      </a:r>
-                      <a:endParaRPr lang="en-US" sz="1600" dirty="0"/>
-                    </a:p>
-                  </a:txBody>
-                  <a:tcPr/>
-                </a:tc>
-                <a:tc>
-                  <a:txBody>
-                    <a:bodyPr/>
-                    <a:lstStyle/>
-                    <a:p>
-                      <a:r>
-                        <a:rPr lang="en-US" sz="1600" dirty="0" smtClean="0"/>
-                        <a:t>Apply</a:t>
-                      </a:r>
-                      <a:endParaRPr lang="en-US" sz="1600" dirty="0"/>
-                    </a:p>
-                  </a:txBody>
-                  <a:tcPr/>
-                </a:tc>
-                <a:tc>
-                  <a:txBody>
-                    <a:bodyPr/>
-                    <a:lstStyle/>
-                    <a:p>
-                      <a:pPr marL="0" marR="0" indent="0" algn="l" defTabSz="914400" rtl="0" eaLnBrk="1" fontAlgn="auto" latinLnBrk="0" hangingPunct="1">
-                        <a:lnSpc>
-                          <a:spcPct val="100000"/>
-                        </a:lnSpc>
-                        <a:spcBef>
-                          <a:spcPts val="0"/>
-                        </a:spcBef>
-                        <a:spcAft>
-                          <a:spcPts val="0"/>
-                        </a:spcAft>
-                        <a:buClrTx/>
-                        <a:buSzTx/>
-                        <a:buFontTx/>
-                        <a:buNone/>
-                        <a:tabLst/>
-                        <a:defRPr/>
-                      </a:pPr>
-                      <a:r>
-                        <a:rPr kumimoji="0" lang="en-US" sz="1600" b="0" kern="1200" dirty="0" smtClean="0">
-                          <a:solidFill>
-                            <a:schemeClr val="dk1"/>
-                          </a:solidFill>
-                          <a:effectLst/>
-                          <a:latin typeface="+mn-lt"/>
-                          <a:ea typeface="+mn-ea"/>
-                          <a:cs typeface="+mn-cs"/>
-                        </a:rPr>
-                        <a:t>Given that a user is logged in, the first page they can see is the home page. User can search/filter jobs and apply for jobs.</a:t>
-                      </a:r>
-                    </a:p>
-                  </a:txBody>
-                  <a:tcPr/>
-                </a:tc>
-                <a:tc>
-                  <a:txBody>
-                    <a:bodyPr/>
-                    <a:lstStyle/>
-                    <a:p>
-                      <a:r>
-                        <a:rPr lang="en-US" sz="1600" dirty="0" smtClean="0"/>
-                        <a:t>3.2.1.3</a:t>
-                      </a:r>
-                      <a:endParaRPr lang="en-US" sz="1600" dirty="0"/>
-                    </a:p>
-                  </a:txBody>
-                  <a:tcPr/>
-                </a:tc>
-              </a:tr>
-              <a:tr h="977761">
-                <a:tc>
-                  <a:txBody>
-                    <a:bodyPr/>
-                    <a:lstStyle/>
-                    <a:p>
-                      <a:r>
-                        <a:rPr lang="en-US" sz="1600" dirty="0" smtClean="0"/>
-                        <a:t>3.2.1.6</a:t>
-                      </a:r>
-                      <a:endParaRPr lang="en-US" sz="1600" dirty="0"/>
-                    </a:p>
-                  </a:txBody>
-                  <a:tcPr/>
-                </a:tc>
-                <a:tc>
-                  <a:txBody>
-                    <a:bodyPr/>
-                    <a:lstStyle/>
-                    <a:p>
-                      <a:pPr marL="0" marR="0" indent="0" algn="l" defTabSz="914400" rtl="0" eaLnBrk="1" fontAlgn="auto" latinLnBrk="0" hangingPunct="1">
-                        <a:lnSpc>
-                          <a:spcPct val="100000"/>
-                        </a:lnSpc>
-                        <a:spcBef>
-                          <a:spcPts val="0"/>
-                        </a:spcBef>
-                        <a:spcAft>
-                          <a:spcPts val="0"/>
-                        </a:spcAft>
-                        <a:buClrTx/>
-                        <a:buSzTx/>
-                        <a:buFontTx/>
-                        <a:buNone/>
-                        <a:tabLst/>
-                        <a:defRPr/>
-                      </a:pPr>
-                      <a:r>
-                        <a:rPr kumimoji="0" lang="en-US" sz="1600" b="0" i="0" kern="1200" dirty="0" smtClean="0">
-                          <a:solidFill>
-                            <a:schemeClr val="dk1"/>
-                          </a:solidFill>
-                          <a:effectLst/>
-                          <a:latin typeface="+mn-lt"/>
-                          <a:ea typeface="+mn-ea"/>
-                          <a:cs typeface="+mn-cs"/>
-                        </a:rPr>
-                        <a:t>Filter by skills, location, and experience</a:t>
-                      </a:r>
-                      <a:endParaRPr kumimoji="0" lang="en-US" sz="1600" b="0" i="1" kern="1200" dirty="0" smtClean="0">
-                        <a:solidFill>
-                          <a:schemeClr val="dk1"/>
-                        </a:solidFill>
-                        <a:effectLst/>
-                        <a:latin typeface="+mn-lt"/>
-                        <a:ea typeface="+mn-ea"/>
-                        <a:cs typeface="+mn-cs"/>
-                      </a:endParaRPr>
-                    </a:p>
-                  </a:txBody>
-                  <a:tcPr/>
-                </a:tc>
-                <a:tc>
-                  <a:txBody>
-                    <a:bodyPr/>
-                    <a:lstStyle/>
-                    <a:p>
-                      <a:r>
-                        <a:rPr kumimoji="0" lang="en-US" sz="1600" b="0" kern="1200" dirty="0" smtClean="0">
-                          <a:solidFill>
-                            <a:schemeClr val="dk1"/>
-                          </a:solidFill>
-                          <a:effectLst/>
-                          <a:latin typeface="+mn-lt"/>
-                          <a:ea typeface="+mn-ea"/>
-                          <a:cs typeface="+mn-cs"/>
-                        </a:rPr>
-                        <a:t>User can filter jobs based on skills, location and experience required for the job. Jobs can be filtered based on single criteria or multiple criteria.</a:t>
-                      </a:r>
-                      <a:endParaRPr kumimoji="0" lang="en-US" sz="1600" b="0" kern="1200" dirty="0">
-                        <a:solidFill>
-                          <a:schemeClr val="dk1"/>
-                        </a:solidFill>
-                        <a:effectLst/>
-                        <a:latin typeface="+mn-lt"/>
-                        <a:ea typeface="+mn-ea"/>
-                        <a:cs typeface="+mn-cs"/>
-                      </a:endParaRPr>
-                    </a:p>
-                  </a:txBody>
-                  <a:tcPr/>
-                </a:tc>
-                <a:tc>
-                  <a:txBody>
-                    <a:bodyPr/>
-                    <a:lstStyle/>
-                    <a:p>
-                      <a:r>
-                        <a:rPr lang="en-US" sz="1600" dirty="0" smtClean="0"/>
-                        <a:t>None</a:t>
-                      </a:r>
-                      <a:endParaRPr lang="en-US" sz="1600" dirty="0"/>
-                    </a:p>
-                  </a:txBody>
-                  <a:tcPr/>
-                </a:tc>
-              </a:tr>
-              <a:tr h="977761">
-                <a:tc>
-                  <a:txBody>
-                    <a:bodyPr/>
-                    <a:lstStyle/>
-                    <a:p>
-                      <a:r>
-                        <a:rPr lang="en-US" sz="1600" dirty="0" smtClean="0"/>
-                        <a:t>3.2.1.7</a:t>
-                      </a:r>
-                      <a:endParaRPr lang="en-US" sz="1600" dirty="0"/>
-                    </a:p>
-                  </a:txBody>
-                  <a:tcPr/>
-                </a:tc>
-                <a:tc>
-                  <a:txBody>
-                    <a:bodyPr/>
-                    <a:lstStyle/>
-                    <a:p>
-                      <a:r>
-                        <a:rPr lang="en-US" sz="1600" dirty="0" smtClean="0"/>
-                        <a:t>Profile Information</a:t>
-                      </a:r>
-                      <a:endParaRPr lang="en-US" sz="1600" dirty="0"/>
-                    </a:p>
-                  </a:txBody>
-                  <a:tcPr/>
-                </a:tc>
-                <a:tc>
-                  <a:txBody>
-                    <a:bodyPr/>
-                    <a:lstStyle/>
-                    <a:p>
-                      <a:r>
-                        <a:rPr kumimoji="0" lang="en-US" sz="1600" kern="1200" dirty="0" smtClean="0">
-                          <a:solidFill>
-                            <a:schemeClr val="dk1"/>
-                          </a:solidFill>
-                          <a:effectLst/>
-                          <a:latin typeface="+mn-lt"/>
-                          <a:ea typeface="+mn-ea"/>
-                          <a:cs typeface="+mn-cs"/>
-                        </a:rPr>
-                        <a:t>Given that a user is logged in, then the user can enter their information such as skills and experience in profile page. User can store their information which can be used to autofill fields when applying for a job.</a:t>
-                      </a:r>
-                      <a:endParaRPr lang="en-US" sz="1600" dirty="0"/>
-                    </a:p>
-                  </a:txBody>
-                  <a:tcPr/>
-                </a:tc>
-                <a:tc>
-                  <a:txBody>
-                    <a:bodyPr/>
-                    <a:lstStyle/>
-                    <a:p>
-                      <a:r>
-                        <a:rPr lang="en-US" sz="1600" dirty="0" smtClean="0"/>
-                        <a:t>3.2.1.3</a:t>
-                      </a:r>
-                      <a:endParaRPr lang="en-US" sz="1600" dirty="0"/>
-                    </a:p>
-                  </a:txBody>
-                  <a:tcPr/>
-                </a:tc>
-              </a:tr>
-              <a:tr h="824387">
-                <a:tc>
-                  <a:txBody>
-                    <a:bodyPr/>
-                    <a:lstStyle/>
-                    <a:p>
-                      <a:r>
-                        <a:rPr lang="en-US" sz="1600" dirty="0" smtClean="0"/>
-                        <a:t>3.2.1.8</a:t>
-                      </a:r>
-                      <a:endParaRPr lang="en-US" sz="1600" dirty="0"/>
-                    </a:p>
-                  </a:txBody>
-                  <a:tcPr/>
-                </a:tc>
-                <a:tc>
-                  <a:txBody>
-                    <a:bodyPr/>
-                    <a:lstStyle/>
-                    <a:p>
-                      <a:r>
-                        <a:rPr lang="en-US" sz="1600" dirty="0" smtClean="0"/>
-                        <a:t>Change Information</a:t>
-                      </a:r>
-                      <a:endParaRPr lang="en-US" sz="1600" dirty="0"/>
-                    </a:p>
-                  </a:txBody>
-                  <a:tcPr/>
-                </a:tc>
-                <a:tc>
-                  <a:txBody>
-                    <a:bodyPr/>
-                    <a:lstStyle/>
-                    <a:p>
-                      <a:pPr marL="0" marR="0" indent="0" algn="l" defTabSz="914400" rtl="0" eaLnBrk="1" fontAlgn="auto" latinLnBrk="0" hangingPunct="1">
-                        <a:lnSpc>
-                          <a:spcPct val="100000"/>
-                        </a:lnSpc>
-                        <a:spcBef>
-                          <a:spcPts val="0"/>
-                        </a:spcBef>
-                        <a:spcAft>
-                          <a:spcPts val="0"/>
-                        </a:spcAft>
-                        <a:buClrTx/>
-                        <a:buSzTx/>
-                        <a:buFontTx/>
-                        <a:buNone/>
-                        <a:tabLst/>
-                        <a:defRPr/>
-                      </a:pPr>
-                      <a:r>
-                        <a:rPr kumimoji="0" lang="en-US" sz="1600" b="0" kern="1200" dirty="0" smtClean="0">
-                          <a:solidFill>
-                            <a:schemeClr val="dk1"/>
-                          </a:solidFill>
-                          <a:effectLst/>
-                          <a:latin typeface="+mn-lt"/>
-                          <a:ea typeface="+mn-ea"/>
-                          <a:cs typeface="+mn-cs"/>
-                        </a:rPr>
-                        <a:t>Given that a user is logged in, then the user can change information stored in their profile page. User should be able to change any fields stored in their profile page.</a:t>
-                      </a:r>
-                    </a:p>
-                  </a:txBody>
-                  <a:tcPr/>
-                </a:tc>
-                <a:tc>
-                  <a:txBody>
-                    <a:bodyPr/>
-                    <a:lstStyle/>
-                    <a:p>
-                      <a:r>
-                        <a:rPr lang="en-US" sz="1600" dirty="0" smtClean="0"/>
-                        <a:t>3.2.1.3</a:t>
-                      </a:r>
-                      <a:endParaRPr lang="en-US" sz="1600" dirty="0"/>
-                    </a:p>
-                  </a:txBody>
-                  <a:tcPr/>
-                </a:tc>
-              </a:tr>
-              <a:tr h="977761">
-                <a:tc>
-                  <a:txBody>
-                    <a:bodyPr/>
-                    <a:lstStyle/>
-                    <a:p>
-                      <a:r>
-                        <a:rPr lang="en-US" sz="1600" dirty="0" smtClean="0"/>
-                        <a:t>3.2.1.9</a:t>
-                      </a:r>
-                      <a:endParaRPr lang="en-US" sz="1600" dirty="0"/>
-                    </a:p>
-                  </a:txBody>
-                  <a:tcPr/>
-                </a:tc>
-                <a:tc>
-                  <a:txBody>
-                    <a:bodyPr/>
-                    <a:lstStyle/>
-                    <a:p>
-                      <a:r>
-                        <a:rPr lang="en-US" sz="1600" dirty="0" smtClean="0"/>
-                        <a:t>Upload</a:t>
-                      </a:r>
-                      <a:r>
-                        <a:rPr lang="en-US" sz="1600" baseline="0" dirty="0" smtClean="0"/>
-                        <a:t> Resume</a:t>
-                      </a:r>
-                      <a:endParaRPr lang="en-US" sz="1600" dirty="0"/>
-                    </a:p>
-                  </a:txBody>
-                  <a:tcPr/>
-                </a:tc>
-                <a:tc>
-                  <a:txBody>
-                    <a:bodyPr/>
-                    <a:lstStyle/>
-                    <a:p>
-                      <a:pPr marL="0" marR="0" indent="0" algn="l" defTabSz="914400" rtl="0" eaLnBrk="1" fontAlgn="auto" latinLnBrk="0" hangingPunct="1">
-                        <a:lnSpc>
-                          <a:spcPct val="100000"/>
-                        </a:lnSpc>
-                        <a:spcBef>
-                          <a:spcPts val="0"/>
-                        </a:spcBef>
-                        <a:spcAft>
-                          <a:spcPts val="0"/>
-                        </a:spcAft>
-                        <a:buClrTx/>
-                        <a:buSzTx/>
-                        <a:buFontTx/>
-                        <a:buNone/>
-                        <a:tabLst/>
-                        <a:defRPr/>
-                      </a:pPr>
-                      <a:r>
-                        <a:rPr kumimoji="0" lang="en-US" sz="1600" kern="1200" dirty="0" smtClean="0">
-                          <a:solidFill>
-                            <a:schemeClr val="dk1"/>
-                          </a:solidFill>
-                          <a:effectLst/>
-                          <a:latin typeface="+mn-lt"/>
-                          <a:ea typeface="+mn-ea"/>
-                          <a:cs typeface="+mn-cs"/>
-                        </a:rPr>
-                        <a:t>Given that a user is logged in, then the user can upload a resume and attach it to their profile. User can only attach one resume file which will be stored in their profile information in the database.</a:t>
-                      </a:r>
-                      <a:endParaRPr kumimoji="0" lang="en-US" sz="1600" b="0" kern="1200" dirty="0" smtClean="0">
-                        <a:solidFill>
-                          <a:schemeClr val="dk1"/>
-                        </a:solidFill>
-                        <a:effectLst/>
-                        <a:latin typeface="+mn-lt"/>
-                        <a:ea typeface="+mn-ea"/>
-                        <a:cs typeface="+mn-cs"/>
-                      </a:endParaRPr>
-                    </a:p>
-                  </a:txBody>
-                  <a:tcPr/>
-                </a:tc>
-                <a:tc>
-                  <a:txBody>
-                    <a:bodyPr/>
-                    <a:lstStyle/>
-                    <a:p>
-                      <a:r>
-                        <a:rPr lang="en-US" sz="1600" dirty="0" smtClean="0"/>
-                        <a:t>3.2.1.3</a:t>
-                      </a:r>
-                      <a:endParaRPr lang="en-US" sz="1600" dirty="0"/>
-                    </a:p>
-                  </a:txBody>
-                  <a:tcPr/>
-                </a:tc>
-              </a:tr>
-            </a:tbl>
-          </a:graphicData>
-        </a:graphic>
-      </p:graphicFrame>
     </p:spTree>
     <p:extLst>
       <p:ext uri="{BB962C8B-B14F-4D97-AF65-F5344CB8AC3E}">
@@ -5343,81 +4519,6 @@
           <a:chExt cx="0" cy="0"/>
         </a:xfrm>
       </p:grpSpPr>
-      <p:sp>
-        <p:nvSpPr>
-          <p:cNvPr id="2" name="Title 1"/>
-          <p:cNvSpPr>
-            <a:spLocks noGrp="1"/>
-          </p:cNvSpPr>
-          <p:nvPr>
-            <p:ph type="title"/>
-          </p:nvPr>
-        </p:nvSpPr>
-        <p:spPr/>
-        <p:txBody>
-          <a:bodyPr/>
-          <a:lstStyle/>
-          <a:p>
-            <a:endParaRPr lang="en-US"/>
-          </a:p>
-        </p:txBody>
-      </p:sp>
-      <p:sp>
-        <p:nvSpPr>
-          <p:cNvPr id="3" name="Content Placeholder 2"/>
-          <p:cNvSpPr>
-            <a:spLocks noGrp="1"/>
-          </p:cNvSpPr>
-          <p:nvPr>
-            <p:ph idx="1"/>
-          </p:nvPr>
-        </p:nvSpPr>
-        <p:spPr/>
-        <p:txBody>
-          <a:bodyPr/>
-          <a:lstStyle/>
-          <a:p>
-            <a:endParaRPr lang="en-US"/>
-          </a:p>
-        </p:txBody>
-      </p:sp>
-    </p:spTree>
-    <p:extLst>
-      <p:ext uri="{BB962C8B-B14F-4D97-AF65-F5344CB8AC3E}">
-        <p14:creationId xmlns:p14="http://schemas.microsoft.com/office/powerpoint/2010/main" val="1716867121"/>
-      </p:ext>
-    </p:extLst>
-  </p:cSld>
-  <p:clrMapOvr>
-    <a:masterClrMapping/>
-  </p:clrMapOvr>
-  <p:timing>
-    <p:tnLst>
-      <p:par>
-        <p:cTn id="1" dur="indefinite" restart="never" nodeType="tmRoot"/>
-      </p:par>
-    </p:tnLst>
-  </p:timing>
-</p:sld>
-</file>
-
-<file path=ppt/slides/slide15.xml><?xml version="1.0" encoding="utf-8"?>
-<p:sld xmlns:a="http://schemas.openxmlformats.org/drawingml/2006/main" xmlns:r="http://schemas.openxmlformats.org/officeDocument/2006/relationships" xmlns:p="http://schemas.openxmlformats.org/presentationml/2006/main">
-  <p:cSld>
-    <p:spTree>
-      <p:nvGrpSpPr>
-        <p:cNvPr id="1" name=""/>
-        <p:cNvGrpSpPr/>
-        <p:nvPr/>
-      </p:nvGrpSpPr>
-      <p:grpSpPr>
-        <a:xfrm>
-          <a:off x="0" y="0"/>
-          <a:ext cx="0" cy="0"/>
-          <a:chOff x="0" y="0"/>
-          <a:chExt cx="0" cy="0"/>
-        </a:xfrm>
-      </p:grpSpPr>
       <p:pic>
         <p:nvPicPr>
           <p:cNvPr id="6147" name="Picture 3"/>
@@ -5443,7 +4544,7 @@
         </p:blipFill>
         <p:spPr bwMode="auto">
           <a:xfrm>
-            <a:off x="381000" y="304800"/>
+            <a:off x="533400" y="304800"/>
             <a:ext cx="8305800" cy="6302037"/>
           </a:xfrm>
           <a:prstGeom prst="rect">
@@ -5504,7 +4605,7 @@
 </p:sld>
 </file>
 
-<file path=ppt/slides/slide16.xml><?xml version="1.0" encoding="utf-8"?>
+<file path=ppt/slides/slide15.xml><?xml version="1.0" encoding="utf-8"?>
 <p:sld xmlns:a="http://schemas.openxmlformats.org/drawingml/2006/main" xmlns:r="http://schemas.openxmlformats.org/officeDocument/2006/relationships" xmlns:p="http://schemas.openxmlformats.org/presentationml/2006/main">
   <p:cSld>
     <p:spTree>
@@ -5589,433 +4690,6 @@
           </a:p>
         </p:txBody>
       </p:sp>
-      <p:graphicFrame>
-        <p:nvGraphicFramePr>
-          <p:cNvPr id="4" name="Table 3"/>
-          <p:cNvGraphicFramePr>
-            <a:graphicFrameLocks noGrp="1"/>
-          </p:cNvGraphicFramePr>
-          <p:nvPr>
-            <p:extLst>
-              <p:ext uri="{D42A27DB-BD31-4B8C-83A1-F6EECF244321}">
-                <p14:modId xmlns:p14="http://schemas.microsoft.com/office/powerpoint/2010/main" val="715113562"/>
-              </p:ext>
-            </p:extLst>
-          </p:nvPr>
-        </p:nvGraphicFramePr>
-        <p:xfrm>
-          <a:off x="-228600" y="2667000"/>
-          <a:ext cx="9677400" cy="6766560"/>
-        </p:xfrm>
-        <a:graphic>
-          <a:graphicData uri="http://schemas.openxmlformats.org/drawingml/2006/table">
-            <a:tbl>
-              <a:tblPr firstRow="1" bandRow="1">
-                <a:tableStyleId>{5C22544A-7EE6-4342-B048-85BDC9FD1C3A}</a:tableStyleId>
-              </a:tblPr>
-              <a:tblGrid>
-                <a:gridCol w="1572578"/>
-                <a:gridCol w="2236612"/>
-                <a:gridCol w="4529847"/>
-                <a:gridCol w="1338363"/>
-              </a:tblGrid>
-              <a:tr h="326718">
-                <a:tc>
-                  <a:txBody>
-                    <a:bodyPr/>
-                    <a:lstStyle/>
-                    <a:p>
-                      <a:pPr algn="ctr"/>
-                      <a:r>
-                        <a:rPr lang="en-US" b="1" dirty="0" smtClean="0"/>
-                        <a:t>FR</a:t>
-                      </a:r>
-                      <a:endParaRPr lang="en-US" b="1" dirty="0"/>
-                    </a:p>
-                  </a:txBody>
-                  <a:tcPr/>
-                </a:tc>
-                <a:tc>
-                  <a:txBody>
-                    <a:bodyPr/>
-                    <a:lstStyle/>
-                    <a:p>
-                      <a:pPr algn="ctr"/>
-                      <a:r>
-                        <a:rPr lang="en-US" b="1" dirty="0" smtClean="0"/>
-                        <a:t>Title</a:t>
-                      </a:r>
-                      <a:endParaRPr lang="en-US" b="1" dirty="0"/>
-                    </a:p>
-                  </a:txBody>
-                  <a:tcPr/>
-                </a:tc>
-                <a:tc>
-                  <a:txBody>
-                    <a:bodyPr/>
-                    <a:lstStyle/>
-                    <a:p>
-                      <a:pPr algn="ctr"/>
-                      <a:r>
-                        <a:rPr lang="en-US" b="1" dirty="0" smtClean="0"/>
-                        <a:t>Description</a:t>
-                      </a:r>
-                      <a:endParaRPr lang="en-US" b="1" dirty="0"/>
-                    </a:p>
-                  </a:txBody>
-                  <a:tcPr/>
-                </a:tc>
-                <a:tc>
-                  <a:txBody>
-                    <a:bodyPr/>
-                    <a:lstStyle/>
-                    <a:p>
-                      <a:pPr algn="ctr"/>
-                      <a:r>
-                        <a:rPr lang="en-US" b="1" dirty="0" smtClean="0"/>
-                        <a:t>REQ</a:t>
-                      </a:r>
-                      <a:endParaRPr lang="en-US" b="1" dirty="0"/>
-                    </a:p>
-                  </a:txBody>
-                  <a:tcPr/>
-                </a:tc>
-              </a:tr>
-              <a:tr h="864507">
-                <a:tc>
-                  <a:txBody>
-                    <a:bodyPr/>
-                    <a:lstStyle/>
-                    <a:p>
-                      <a:r>
-                        <a:rPr lang="en-US" b="0" dirty="0" smtClean="0"/>
-                        <a:t>3.2.2.1</a:t>
-                      </a:r>
-                      <a:endParaRPr lang="en-US" b="0" dirty="0"/>
-                    </a:p>
-                  </a:txBody>
-                  <a:tcPr/>
-                </a:tc>
-                <a:tc>
-                  <a:txBody>
-                    <a:bodyPr/>
-                    <a:lstStyle/>
-                    <a:p>
-                      <a:r>
-                        <a:rPr lang="en-US" b="0" dirty="0" smtClean="0"/>
-                        <a:t>Login</a:t>
-                      </a:r>
-                      <a:endParaRPr lang="en-US" b="0" dirty="0"/>
-                    </a:p>
-                  </a:txBody>
-                  <a:tcPr/>
-                </a:tc>
-                <a:tc>
-                  <a:txBody>
-                    <a:bodyPr/>
-                    <a:lstStyle/>
-                    <a:p>
-                      <a:pPr marL="0" marR="0" indent="0" algn="l" defTabSz="914400" rtl="0" eaLnBrk="1" fontAlgn="auto" latinLnBrk="0" hangingPunct="1">
-                        <a:lnSpc>
-                          <a:spcPct val="100000"/>
-                        </a:lnSpc>
-                        <a:spcBef>
-                          <a:spcPts val="0"/>
-                        </a:spcBef>
-                        <a:spcAft>
-                          <a:spcPts val="0"/>
-                        </a:spcAft>
-                        <a:buClrTx/>
-                        <a:buSzTx/>
-                        <a:buFontTx/>
-                        <a:buNone/>
-                        <a:tabLst/>
-                        <a:defRPr/>
-                      </a:pPr>
-                      <a:r>
-                        <a:rPr kumimoji="0" lang="en-US" sz="1800" b="0" kern="1200" dirty="0" smtClean="0">
-                          <a:solidFill>
-                            <a:schemeClr val="dk1"/>
-                          </a:solidFill>
-                          <a:effectLst/>
-                          <a:latin typeface="+mn-lt"/>
-                          <a:ea typeface="+mn-ea"/>
-                          <a:cs typeface="+mn-cs"/>
-                        </a:rPr>
-                        <a:t>Admin can login by entering email id and password stored in database. Admin information is stored in database and there is no registration page for admin.</a:t>
-                      </a:r>
-                    </a:p>
-                  </a:txBody>
-                  <a:tcPr/>
-                </a:tc>
-                <a:tc>
-                  <a:txBody>
-                    <a:bodyPr/>
-                    <a:lstStyle/>
-                    <a:p>
-                      <a:r>
-                        <a:rPr lang="en-US" b="0" dirty="0" smtClean="0"/>
-                        <a:t>None</a:t>
-                      </a:r>
-                      <a:endParaRPr lang="en-US" b="0" dirty="0"/>
-                    </a:p>
-                  </a:txBody>
-                  <a:tcPr/>
-                </a:tc>
-              </a:tr>
-              <a:tr h="1137509">
-                <a:tc>
-                  <a:txBody>
-                    <a:bodyPr/>
-                    <a:lstStyle/>
-                    <a:p>
-                      <a:r>
-                        <a:rPr lang="en-US" b="0" dirty="0" smtClean="0"/>
-                        <a:t>3.2.2.2</a:t>
-                      </a:r>
-                      <a:endParaRPr lang="en-US" b="0" dirty="0"/>
-                    </a:p>
-                  </a:txBody>
-                  <a:tcPr/>
-                </a:tc>
-                <a:tc>
-                  <a:txBody>
-                    <a:bodyPr/>
-                    <a:lstStyle/>
-                    <a:p>
-                      <a:r>
-                        <a:rPr lang="en-US" b="0" dirty="0" smtClean="0"/>
-                        <a:t>Search </a:t>
-                      </a:r>
-                      <a:endParaRPr lang="en-US" b="0" dirty="0"/>
-                    </a:p>
-                  </a:txBody>
-                  <a:tcPr/>
-                </a:tc>
-                <a:tc>
-                  <a:txBody>
-                    <a:bodyPr/>
-                    <a:lstStyle/>
-                    <a:p>
-                      <a:pPr marL="0" marR="0" indent="0" algn="l" defTabSz="914400" rtl="0" eaLnBrk="1" fontAlgn="auto" latinLnBrk="0" hangingPunct="1">
-                        <a:lnSpc>
-                          <a:spcPct val="100000"/>
-                        </a:lnSpc>
-                        <a:spcBef>
-                          <a:spcPts val="0"/>
-                        </a:spcBef>
-                        <a:spcAft>
-                          <a:spcPts val="0"/>
-                        </a:spcAft>
-                        <a:buClrTx/>
-                        <a:buSzTx/>
-                        <a:buFontTx/>
-                        <a:buNone/>
-                        <a:tabLst/>
-                        <a:defRPr/>
-                      </a:pPr>
-                      <a:r>
-                        <a:rPr kumimoji="0" lang="en-US" sz="1800" b="0" kern="1200" dirty="0" smtClean="0">
-                          <a:solidFill>
-                            <a:schemeClr val="dk1"/>
-                          </a:solidFill>
-                          <a:effectLst/>
-                          <a:latin typeface="+mn-lt"/>
-                          <a:ea typeface="+mn-ea"/>
-                          <a:cs typeface="+mn-cs"/>
-                        </a:rPr>
-                        <a:t>Admin can search for all registered users by their first and/or last name. Admin can search for users which will display basic user information such as name, skills and so on. </a:t>
-                      </a:r>
-                    </a:p>
-                    <a:p>
-                      <a:endParaRPr lang="en-US" b="0" dirty="0"/>
-                    </a:p>
-                  </a:txBody>
-                  <a:tcPr/>
-                </a:tc>
-                <a:tc>
-                  <a:txBody>
-                    <a:bodyPr/>
-                    <a:lstStyle/>
-                    <a:p>
-                      <a:r>
-                        <a:rPr lang="en-US" b="0" dirty="0" smtClean="0"/>
-                        <a:t>3.2.2.1</a:t>
-                      </a:r>
-                      <a:endParaRPr lang="en-US" b="0" dirty="0"/>
-                    </a:p>
-                  </a:txBody>
-                  <a:tcPr/>
-                </a:tc>
-              </a:tr>
-              <a:tr h="1001008">
-                <a:tc>
-                  <a:txBody>
-                    <a:bodyPr/>
-                    <a:lstStyle/>
-                    <a:p>
-                      <a:r>
-                        <a:rPr lang="en-US" b="0" dirty="0" smtClean="0"/>
-                        <a:t>3.2.2.3</a:t>
-                      </a:r>
-                      <a:endParaRPr lang="en-US" b="0" dirty="0"/>
-                    </a:p>
-                  </a:txBody>
-                  <a:tcPr/>
-                </a:tc>
-                <a:tc>
-                  <a:txBody>
-                    <a:bodyPr/>
-                    <a:lstStyle/>
-                    <a:p>
-                      <a:r>
-                        <a:rPr lang="en-US" b="0" dirty="0" smtClean="0"/>
-                        <a:t>Deactivate Users</a:t>
-                      </a:r>
-                      <a:endParaRPr lang="en-US" b="0" dirty="0"/>
-                    </a:p>
-                  </a:txBody>
-                  <a:tcPr/>
-                </a:tc>
-                <a:tc>
-                  <a:txBody>
-                    <a:bodyPr/>
-                    <a:lstStyle/>
-                    <a:p>
-                      <a:pPr marL="0" marR="0" indent="0" algn="l" defTabSz="914400" rtl="0" eaLnBrk="1" fontAlgn="auto" latinLnBrk="0" hangingPunct="1">
-                        <a:lnSpc>
-                          <a:spcPct val="100000"/>
-                        </a:lnSpc>
-                        <a:spcBef>
-                          <a:spcPts val="0"/>
-                        </a:spcBef>
-                        <a:spcAft>
-                          <a:spcPts val="0"/>
-                        </a:spcAft>
-                        <a:buClrTx/>
-                        <a:buSzTx/>
-                        <a:buFontTx/>
-                        <a:buNone/>
-                        <a:tabLst/>
-                        <a:defRPr/>
-                      </a:pPr>
-                      <a:r>
-                        <a:rPr kumimoji="0" lang="en-US" sz="1800" b="0" kern="1200" dirty="0" smtClean="0">
-                          <a:solidFill>
-                            <a:schemeClr val="dk1"/>
-                          </a:solidFill>
-                          <a:effectLst/>
-                          <a:latin typeface="+mn-lt"/>
-                          <a:ea typeface="+mn-ea"/>
-                          <a:cs typeface="+mn-cs"/>
-                        </a:rPr>
-                        <a:t>Admin can deactivate users which will disable them to login into their account. Users who abuse the system can be deactivated by the admin which will lock them to log in to their account.</a:t>
-                      </a:r>
-                    </a:p>
-                  </a:txBody>
-                  <a:tcPr/>
-                </a:tc>
-                <a:tc>
-                  <a:txBody>
-                    <a:bodyPr/>
-                    <a:lstStyle/>
-                    <a:p>
-                      <a:r>
-                        <a:rPr lang="en-US" b="0" dirty="0" smtClean="0"/>
-                        <a:t>3.2.2.1</a:t>
-                      </a:r>
-                      <a:endParaRPr lang="en-US" b="0" dirty="0"/>
-                    </a:p>
-                  </a:txBody>
-                  <a:tcPr/>
-                </a:tc>
-              </a:tr>
-              <a:tr h="1274010">
-                <a:tc>
-                  <a:txBody>
-                    <a:bodyPr/>
-                    <a:lstStyle/>
-                    <a:p>
-                      <a:r>
-                        <a:rPr lang="en-US" b="0" dirty="0" smtClean="0"/>
-                        <a:t>3.2.2.4</a:t>
-                      </a:r>
-                      <a:endParaRPr lang="en-US" b="0" dirty="0"/>
-                    </a:p>
-                  </a:txBody>
-                  <a:tcPr/>
-                </a:tc>
-                <a:tc>
-                  <a:txBody>
-                    <a:bodyPr/>
-                    <a:lstStyle/>
-                    <a:p>
-                      <a:r>
-                        <a:rPr lang="en-US" b="0" dirty="0" smtClean="0"/>
-                        <a:t>Delete Users</a:t>
-                      </a:r>
-                      <a:endParaRPr lang="en-US" b="0" dirty="0"/>
-                    </a:p>
-                  </a:txBody>
-                  <a:tcPr/>
-                </a:tc>
-                <a:tc>
-                  <a:txBody>
-                    <a:bodyPr/>
-                    <a:lstStyle/>
-                    <a:p>
-                      <a:pPr marL="0" marR="0" indent="0" algn="l" defTabSz="914400" rtl="0" eaLnBrk="1" fontAlgn="auto" latinLnBrk="0" hangingPunct="1">
-                        <a:lnSpc>
-                          <a:spcPct val="100000"/>
-                        </a:lnSpc>
-                        <a:spcBef>
-                          <a:spcPts val="0"/>
-                        </a:spcBef>
-                        <a:spcAft>
-                          <a:spcPts val="0"/>
-                        </a:spcAft>
-                        <a:buClrTx/>
-                        <a:buSzTx/>
-                        <a:buFontTx/>
-                        <a:buNone/>
-                        <a:tabLst/>
-                        <a:defRPr/>
-                      </a:pPr>
-                      <a:r>
-                        <a:rPr kumimoji="0" lang="en-US" sz="1800" b="0" kern="1200" dirty="0" smtClean="0">
-                          <a:solidFill>
-                            <a:schemeClr val="dk1"/>
-                          </a:solidFill>
-                          <a:effectLst/>
-                          <a:latin typeface="+mn-lt"/>
-                          <a:ea typeface="+mn-ea"/>
-                          <a:cs typeface="+mn-cs"/>
-                        </a:rPr>
-                        <a:t>Admin can delete users which will delete all of their information from the database. Users who abuse the system can be deleted by the admin. All information related to user such as login and profile information will be deleted from the system.</a:t>
-                      </a:r>
-                    </a:p>
-                  </a:txBody>
-                  <a:tcPr/>
-                </a:tc>
-                <a:tc>
-                  <a:txBody>
-                    <a:bodyPr/>
-                    <a:lstStyle/>
-                    <a:p>
-                      <a:r>
-                        <a:rPr lang="en-US" b="0" dirty="0" smtClean="0"/>
-                        <a:t>3.2.2.1</a:t>
-                      </a:r>
-                      <a:endParaRPr lang="en-US" b="0" dirty="0"/>
-                    </a:p>
-                  </a:txBody>
-                  <a:tcPr/>
-                </a:tc>
-              </a:tr>
-            </a:tbl>
-          </a:graphicData>
-        </a:graphic>
-      </p:graphicFrame>
     </p:spTree>
     <p:extLst>
       <p:ext uri="{BB962C8B-B14F-4D97-AF65-F5344CB8AC3E}">
@@ -6036,7 +4710,7 @@
 </p:sld>
 </file>
 
-<file path=ppt/slides/slide17.xml><?xml version="1.0" encoding="utf-8"?>
+<file path=ppt/slides/slide16.xml><?xml version="1.0" encoding="utf-8"?>
 <p:sld xmlns:a="http://schemas.openxmlformats.org/drawingml/2006/main" xmlns:r="http://schemas.openxmlformats.org/officeDocument/2006/relationships" xmlns:p="http://schemas.openxmlformats.org/presentationml/2006/main">
   <p:cSld>
     <p:spTree>
@@ -6139,6 +4813,141 @@
 </p:sld>
 </file>
 
+<file path=ppt/slides/slide17.xml><?xml version="1.0" encoding="utf-8"?>
+<p:sld xmlns:a="http://schemas.openxmlformats.org/drawingml/2006/main" xmlns:r="http://schemas.openxmlformats.org/officeDocument/2006/relationships" xmlns:p="http://schemas.openxmlformats.org/presentationml/2006/main">
+  <p:cSld>
+    <p:spTree>
+      <p:nvGrpSpPr>
+        <p:cNvPr id="1" name=""/>
+        <p:cNvGrpSpPr/>
+        <p:nvPr/>
+      </p:nvGrpSpPr>
+      <p:grpSpPr>
+        <a:xfrm>
+          <a:off x="0" y="0"/>
+          <a:ext cx="0" cy="0"/>
+          <a:chOff x="0" y="0"/>
+          <a:chExt cx="0" cy="0"/>
+        </a:xfrm>
+      </p:grpSpPr>
+      <p:sp>
+        <p:nvSpPr>
+          <p:cNvPr id="2" name="Title 1"/>
+          <p:cNvSpPr>
+            <a:spLocks noGrp="1"/>
+          </p:cNvSpPr>
+          <p:nvPr>
+            <p:ph type="title"/>
+          </p:nvPr>
+        </p:nvSpPr>
+        <p:spPr/>
+        <p:txBody>
+          <a:bodyPr/>
+          <a:lstStyle/>
+          <a:p>
+            <a:pPr algn="ctr"/>
+            <a:r>
+              <a:rPr lang="en-US" dirty="0" smtClean="0"/>
+              <a:t>Specific Requirements</a:t>
+            </a:r>
+            <a:endParaRPr lang="en-US" dirty="0"/>
+          </a:p>
+        </p:txBody>
+      </p:sp>
+      <p:sp>
+        <p:nvSpPr>
+          <p:cNvPr id="3" name="Content Placeholder 2"/>
+          <p:cNvSpPr>
+            <a:spLocks noGrp="1"/>
+          </p:cNvSpPr>
+          <p:nvPr>
+            <p:ph idx="1"/>
+          </p:nvPr>
+        </p:nvSpPr>
+        <p:spPr/>
+        <p:txBody>
+          <a:bodyPr>
+            <a:normAutofit/>
+          </a:bodyPr>
+          <a:lstStyle/>
+          <a:p>
+            <a:r>
+              <a:rPr lang="en-US" dirty="0" smtClean="0"/>
+              <a:t>Non-Functional Requirements</a:t>
+            </a:r>
+          </a:p>
+          <a:p>
+            <a:pPr lvl="1"/>
+            <a:r>
+              <a:rPr lang="en-US" sz="2200" dirty="0" smtClean="0"/>
+              <a:t>Performance:</a:t>
+            </a:r>
+          </a:p>
+          <a:p>
+            <a:pPr lvl="2"/>
+            <a:r>
+              <a:rPr lang="en-US" sz="2000" dirty="0" smtClean="0"/>
+              <a:t>Response times </a:t>
+            </a:r>
+            <a:r>
+              <a:rPr lang="en-US" sz="2000" dirty="0"/>
+              <a:t>should be </a:t>
+            </a:r>
+            <a:r>
+              <a:rPr lang="en-US" sz="2000" dirty="0" smtClean="0"/>
+              <a:t>quick as database queries deal with relatively small amount of information</a:t>
+            </a:r>
+            <a:endParaRPr lang="en-US" sz="1700" dirty="0" smtClean="0"/>
+          </a:p>
+          <a:p>
+            <a:pPr lvl="2"/>
+            <a:r>
+              <a:rPr lang="en-US" sz="2000" dirty="0"/>
+              <a:t>W</a:t>
+            </a:r>
+            <a:r>
+              <a:rPr lang="en-US" sz="2000" dirty="0" smtClean="0"/>
+              <a:t>e </a:t>
+            </a:r>
+            <a:r>
+              <a:rPr lang="en-US" sz="2000" dirty="0"/>
+              <a:t>aim for overall loading quickness to be at a maximum of five seconds 100% of the time, with a target of less than two seconds 98% of the time, which will be verified during five hours of testing in our phase 3 system tests, as per our development plan.</a:t>
+            </a:r>
+          </a:p>
+          <a:p>
+            <a:pPr lvl="2"/>
+            <a:endParaRPr lang="en-US" sz="1900" dirty="0" smtClean="0"/>
+          </a:p>
+          <a:p>
+            <a:pPr lvl="1"/>
+            <a:endParaRPr lang="en-US" sz="2200" dirty="0" smtClean="0"/>
+          </a:p>
+          <a:p>
+            <a:pPr lvl="1"/>
+            <a:endParaRPr lang="en-US" dirty="0"/>
+          </a:p>
+        </p:txBody>
+      </p:sp>
+    </p:spTree>
+    <p:extLst>
+      <p:ext uri="{BB962C8B-B14F-4D97-AF65-F5344CB8AC3E}">
+        <p14:creationId xmlns:p14="http://schemas.microsoft.com/office/powerpoint/2010/main" val="3682840338"/>
+      </p:ext>
+    </p:extLst>
+  </p:cSld>
+  <p:clrMapOvr>
+    <a:masterClrMapping/>
+  </p:clrMapOvr>
+  <p:timing>
+    <p:tnLst>
+      <p:par>
+        <p:cTn id="1" dur="indefinite" restart="never" nodeType="tmRoot"/>
+      </p:par>
+    </p:tnLst>
+  </p:timing>
+</p:sld>
+</file>
+
 <file path=ppt/slides/slide18.xml><?xml version="1.0" encoding="utf-8"?>
 <p:sld xmlns:a="http://schemas.openxmlformats.org/drawingml/2006/main" xmlns:r="http://schemas.openxmlformats.org/officeDocument/2006/relationships" xmlns:p="http://schemas.openxmlformats.org/presentationml/2006/main">
   <p:cSld>
@@ -6206,58 +5015,62 @@
             <a:pPr lvl="1"/>
             <a:r>
               <a:rPr lang="en-US" sz="2200" dirty="0" smtClean="0"/>
-              <a:t>Performance:</a:t>
+              <a:t>Reliability:</a:t>
             </a:r>
           </a:p>
           <a:p>
             <a:pPr lvl="2"/>
             <a:r>
+              <a:rPr lang="en-US" sz="2000" dirty="0"/>
+              <a:t>P</a:t>
+            </a:r>
+            <a:r>
               <a:rPr lang="en-US" sz="2000" dirty="0" smtClean="0"/>
-              <a:t>Response times </a:t>
+              <a:t>roduces </a:t>
             </a:r>
             <a:r>
               <a:rPr lang="en-US" sz="2000" dirty="0"/>
-              <a:t>should be </a:t>
+              <a:t>the correct job search results based on valid search criteria, as well as suggests jobs to users based on their skills and experience. </a:t>
+            </a:r>
+            <a:endParaRPr lang="en-US" sz="2000" dirty="0" smtClean="0"/>
+          </a:p>
+          <a:p>
+            <a:pPr lvl="2"/>
+            <a:r>
+              <a:rPr lang="en-US" sz="2000" dirty="0"/>
+              <a:t>R</a:t>
             </a:r>
             <a:r>
               <a:rPr lang="en-US" sz="2000" dirty="0" smtClean="0"/>
-              <a:t>quick as database queries deal with relatively small amount of information</a:t>
-            </a:r>
-            <a:endParaRPr lang="en-US" sz="1700" dirty="0" smtClean="0"/>
+              <a:t>eport </a:t>
+            </a:r>
+            <a:r>
+              <a:rPr lang="en-US" sz="2000" dirty="0"/>
+              <a:t>messages to application users regarding lost internet connections or incorrect registration or search inputs. </a:t>
+            </a:r>
+            <a:endParaRPr lang="en-US" sz="2000" dirty="0" smtClean="0"/>
           </a:p>
           <a:p>
             <a:pPr lvl="2"/>
             <a:r>
+              <a:rPr lang="en-US" sz="2000" dirty="0" smtClean="0"/>
+              <a:t>In phase-3 testing, we </a:t>
+            </a:r>
+            <a:r>
               <a:rPr lang="en-US" sz="2000" dirty="0"/>
-              <a:t>W</a:t>
+              <a:t>will require correct error reporting 100% of the time, correct job search results 98% of the time, and correct job recommendations 98% of the time</a:t>
             </a:r>
             <a:r>
               <a:rPr lang="en-US" sz="2000" dirty="0" smtClean="0"/>
-              <a:t>e </a:t>
-            </a:r>
-            <a:r>
-              <a:rPr lang="en-US" sz="2000" dirty="0"/>
-              <a:t>aim for overall loading quickness to be at a maximum of five seconds 100% of the time, with a target of less than two seconds 98% of the time, which will be verified during five hours of testing in our phase 3 system tests, as per our development plan.</a:t>
-            </a:r>
-          </a:p>
-          <a:p>
-            <a:pPr lvl="2"/>
-            <a:endParaRPr lang="en-US" sz="1900" dirty="0" smtClean="0"/>
-          </a:p>
-          <a:p>
-            <a:pPr lvl="1"/>
-            <a:endParaRPr lang="en-US" sz="2200" dirty="0" smtClean="0"/>
-          </a:p>
-          <a:p>
-            <a:pPr lvl="1"/>
-            <a:endParaRPr lang="en-US" dirty="0"/>
+              <a:t>.</a:t>
+            </a:r>
           </a:p>
         </p:txBody>
       </p:sp>
     </p:spTree>
     <p:extLst>
       <p:ext uri="{BB962C8B-B14F-4D97-AF65-F5344CB8AC3E}">
-        <p14:creationId xmlns:p14="http://schemas.microsoft.com/office/powerpoint/2010/main" val="3682840338"/>
+        <p14:creationId xmlns:p14="http://schemas.microsoft.com/office/powerpoint/2010/main" val="2314329380"/>
       </p:ext>
     </p:extLst>
   </p:cSld>
@@ -6340,63 +5153,53 @@
           <a:p>
             <a:pPr lvl="1"/>
             <a:r>
-              <a:rPr lang="en-US" sz="2200" dirty="0" smtClean="0"/>
-              <a:t>Reliability:</a:t>
+              <a:rPr lang="en-US" sz="2200" dirty="0"/>
+              <a:t>Availability</a:t>
+            </a:r>
+            <a:r>
+              <a:rPr lang="en-US" dirty="0"/>
+              <a:t>:</a:t>
             </a:r>
           </a:p>
           <a:p>
             <a:pPr lvl="2"/>
             <a:r>
+              <a:rPr lang="en-US" sz="2000" dirty="0" smtClean="0"/>
+              <a:t>Accessibility </a:t>
+            </a:r>
+            <a:r>
               <a:rPr lang="en-US" sz="2000" dirty="0"/>
-              <a:t>P</a:t>
-            </a:r>
+              <a:t>of the application from an internet browser not considering network failures.</a:t>
+            </a:r>
+            <a:r>
+              <a:rPr lang="en-US" dirty="0"/>
+              <a:t> </a:t>
+            </a:r>
+            <a:endParaRPr lang="en-US" dirty="0" smtClean="0"/>
+          </a:p>
+          <a:p>
+            <a:pPr lvl="2"/>
             <a:r>
               <a:rPr lang="en-US" sz="2000" dirty="0" smtClean="0"/>
-              <a:t>roduces </a:t>
+              <a:t>In </a:t>
             </a:r>
             <a:r>
               <a:rPr lang="en-US" sz="2000" dirty="0"/>
-              <a:t>the correct job search results based on valid search criteria, as well as suggests jobs to users based on their skills and experience. </a:t>
-            </a:r>
-            <a:endParaRPr lang="en-US" sz="2000" dirty="0" smtClean="0"/>
-          </a:p>
-          <a:p>
-            <a:pPr lvl="2"/>
-            <a:r>
-              <a:rPr lang="en-US" sz="2000" dirty="0"/>
-              <a:t>R</a:t>
-            </a:r>
-            <a:r>
-              <a:rPr lang="en-US" sz="2000" dirty="0" smtClean="0"/>
-              <a:t>eport </a:t>
-            </a:r>
-            <a:r>
-              <a:rPr lang="en-US" sz="2000" dirty="0"/>
-              <a:t>messages to application users regarding lost internet connections or incorrect registration or search inputs. </a:t>
-            </a:r>
-            <a:endParaRPr lang="en-US" sz="2000" dirty="0" smtClean="0"/>
-          </a:p>
-          <a:p>
-            <a:pPr lvl="2"/>
-            <a:r>
-              <a:rPr lang="en-US" sz="2000" dirty="0" smtClean="0"/>
-              <a:t>In phase-3 testing, we </a:t>
-            </a:r>
-            <a:r>
-              <a:rPr lang="en-US" sz="2000" dirty="0"/>
-              <a:t>will require correct error reporting 100% of the time, correct job search results 98% of the time, and correct job recommendations 98% of the time</a:t>
-            </a:r>
-            <a:r>
-              <a:rPr lang="en-US" sz="2000" dirty="0" smtClean="0"/>
-              <a:t>.</a:t>
-            </a:r>
+              <a:t>testing, we plan for five hours of active use of the application, during which period our target system availability is 100% of the time, with a 98% of the time availability considered passing.</a:t>
+            </a:r>
+          </a:p>
+          <a:p>
+            <a:pPr marL="630936" lvl="2" indent="0">
+              <a:buNone/>
+            </a:pPr>
+            <a:endParaRPr lang="en-US" dirty="0"/>
           </a:p>
         </p:txBody>
       </p:sp>
     </p:spTree>
     <p:extLst>
       <p:ext uri="{BB962C8B-B14F-4D97-AF65-F5344CB8AC3E}">
-        <p14:creationId xmlns:p14="http://schemas.microsoft.com/office/powerpoint/2010/main" val="2314329380"/>
+        <p14:creationId xmlns:p14="http://schemas.microsoft.com/office/powerpoint/2010/main" val="1618500018"/>
       </p:ext>
     </p:extLst>
   </p:cSld>
@@ -6613,53 +5416,84 @@
           <a:p>
             <a:pPr lvl="1"/>
             <a:r>
-              <a:rPr lang="en-US" sz="2200" dirty="0"/>
-              <a:t>Availability</a:t>
-            </a:r>
-            <a:r>
-              <a:rPr lang="en-US" dirty="0"/>
-              <a:t>:</a:t>
-            </a:r>
+              <a:rPr lang="en-US" sz="2200" dirty="0" smtClean="0"/>
+              <a:t>Security:</a:t>
+            </a:r>
+            <a:endParaRPr lang="en-US" dirty="0"/>
           </a:p>
           <a:p>
             <a:pPr lvl="2"/>
             <a:r>
               <a:rPr lang="en-US" sz="2000" dirty="0" smtClean="0"/>
-              <a:t>Accessibility </a:t>
+              <a:t>Admin and </a:t>
             </a:r>
             <a:r>
               <a:rPr lang="en-US" sz="2000" dirty="0"/>
-              <a:t>of the application from an internet browser not considering network failures.</a:t>
-            </a:r>
-            <a:r>
-              <a:rPr lang="en-US" dirty="0"/>
-              <a:t> </a:t>
-            </a:r>
-            <a:endParaRPr lang="en-US" dirty="0" smtClean="0"/>
+              <a:t>all user passwords will be encrypted using the SHA1 encryption algorithm before being stored in the database.  </a:t>
+            </a:r>
+            <a:endParaRPr lang="en-US" sz="2000" dirty="0" smtClean="0"/>
+          </a:p>
+          <a:p>
+            <a:pPr lvl="3"/>
+            <a:r>
+              <a:rPr lang="en-US" sz="1700" dirty="0" smtClean="0"/>
+              <a:t>SHA1 </a:t>
+            </a:r>
+            <a:r>
+              <a:rPr lang="en-US" sz="1700" dirty="0"/>
+              <a:t>was developed by the NSA and is an example of a cryptographic hash function, considered nearly impossible to </a:t>
+            </a:r>
+            <a:r>
+              <a:rPr lang="en-US" sz="1700" dirty="0" smtClean="0"/>
+              <a:t>decode</a:t>
+            </a:r>
           </a:p>
           <a:p>
             <a:pPr lvl="2"/>
             <a:r>
+              <a:rPr lang="en-US" sz="2000" dirty="0"/>
+              <a:t>V</a:t>
+            </a:r>
+            <a:r>
               <a:rPr lang="en-US" sz="2000" dirty="0" smtClean="0"/>
-              <a:t>In </a:t>
+              <a:t>alidation </a:t>
             </a:r>
             <a:r>
               <a:rPr lang="en-US" sz="2000" dirty="0"/>
-              <a:t>testing, we plan for five hours of active use of the application, during which period our target system availability is 100% of the time, with a 98% of the time availability considered passing.</a:t>
+              <a:t>of user logins, so that incorrect user credentials will not result in access to the application</a:t>
+            </a:r>
+            <a:r>
+              <a:rPr lang="en-US" sz="2000" dirty="0" smtClean="0"/>
+              <a:t>.</a:t>
+            </a:r>
+          </a:p>
+          <a:p>
+            <a:pPr lvl="2"/>
+            <a:r>
+              <a:rPr lang="en-US" sz="2000" dirty="0"/>
+              <a:t>E</a:t>
+            </a:r>
+            <a:r>
+              <a:rPr lang="en-US" sz="2000" dirty="0" smtClean="0"/>
+              <a:t>xpected </a:t>
+            </a:r>
+            <a:r>
+              <a:rPr lang="en-US" sz="2000" dirty="0"/>
+              <a:t>to function correctly 100% of the time in our tests.</a:t>
             </a:r>
           </a:p>
           <a:p>
             <a:pPr marL="630936" lvl="2" indent="0">
               <a:buNone/>
             </a:pPr>
-            <a:endParaRPr lang="en-US" dirty="0"/>
+            <a:endParaRPr lang="en-US" sz="2000" dirty="0"/>
           </a:p>
         </p:txBody>
       </p:sp>
     </p:spTree>
     <p:extLst>
       <p:ext uri="{BB962C8B-B14F-4D97-AF65-F5344CB8AC3E}">
-        <p14:creationId xmlns:p14="http://schemas.microsoft.com/office/powerpoint/2010/main" val="1618500018"/>
+        <p14:creationId xmlns:p14="http://schemas.microsoft.com/office/powerpoint/2010/main" val="1330809228"/>
       </p:ext>
     </p:extLst>
   </p:cSld>
@@ -6743,83 +5577,65 @@
             <a:pPr lvl="1"/>
             <a:r>
               <a:rPr lang="en-US" sz="2200" dirty="0" smtClean="0"/>
-              <a:t>Security:</a:t>
+              <a:t>Maintainability:</a:t>
             </a:r>
             <a:endParaRPr lang="en-US" dirty="0"/>
           </a:p>
           <a:p>
             <a:pPr lvl="2"/>
             <a:r>
+              <a:rPr lang="en-US" sz="2000" dirty="0"/>
+              <a:t>S</a:t>
+            </a:r>
+            <a:r>
               <a:rPr lang="en-US" sz="2000" dirty="0" smtClean="0"/>
-              <a:t>Admin and </a:t>
+              <a:t>pecifies </a:t>
             </a:r>
             <a:r>
               <a:rPr lang="en-US" sz="2000" dirty="0"/>
-              <a:t>all user passwords will be encrypted using the SHA1 encryption algorithm before being stored in the database.  </a:t>
-            </a:r>
-            <a:endParaRPr lang="en-US" sz="2000" dirty="0" smtClean="0"/>
+              <a:t>the degree of extensibility and </a:t>
+            </a:r>
+            <a:r>
+              <a:rPr lang="en-US" sz="2000" dirty="0" smtClean="0"/>
+              <a:t>testability</a:t>
+            </a:r>
           </a:p>
           <a:p>
             <a:pPr lvl="3"/>
             <a:r>
-              <a:rPr lang="en-US" sz="1700" dirty="0" smtClean="0"/>
-              <a:t>SHA1 </a:t>
-            </a:r>
-            <a:r>
-              <a:rPr lang="en-US" sz="1700" dirty="0"/>
-              <a:t>was developed by the NSA and is an example of a cryptographic hash function, considered nearly impossible to </a:t>
-            </a:r>
-            <a:r>
-              <a:rPr lang="en-US" sz="1700" dirty="0" smtClean="0"/>
-              <a:t>decode</a:t>
-            </a:r>
-          </a:p>
-          <a:p>
-            <a:pPr lvl="2"/>
-            <a:r>
-              <a:rPr lang="en-US" sz="2000" dirty="0"/>
-              <a:t>V</a:t>
-            </a:r>
-            <a:r>
-              <a:rPr lang="en-US" sz="2000" dirty="0" smtClean="0"/>
-              <a:t>alidation </a:t>
-            </a:r>
-            <a:r>
-              <a:rPr lang="en-US" sz="2000" dirty="0"/>
-              <a:t>of user logins, so that incorrect user credentials will not result in access to the application</a:t>
-            </a:r>
-            <a:r>
-              <a:rPr lang="en-US" sz="2000" dirty="0" smtClean="0"/>
-              <a:t>.</a:t>
-            </a:r>
-          </a:p>
-          <a:p>
-            <a:pPr lvl="2"/>
-            <a:r>
-              <a:rPr lang="en-US" sz="2000" dirty="0"/>
-              <a:t>E</a:t>
-            </a:r>
-            <a:r>
-              <a:rPr lang="en-US" sz="2000" dirty="0" smtClean="0"/>
-              <a:t>xpected </a:t>
-            </a:r>
-            <a:r>
-              <a:rPr lang="en-US" sz="2000" dirty="0"/>
-              <a:t>to function correctly 100% of the time in our tests.</a:t>
-            </a:r>
-          </a:p>
-          <a:p>
-            <a:pPr marL="630936" lvl="2" indent="0">
-              <a:buNone/>
-            </a:pPr>
-            <a:endParaRPr lang="en-US" sz="2000" dirty="0"/>
+              <a:rPr lang="en-US" sz="1900" dirty="0" smtClean="0"/>
+              <a:t>Extensibility: both </a:t>
+            </a:r>
+            <a:r>
+              <a:rPr lang="en-US" sz="1900" dirty="0"/>
+              <a:t>the easy addition of new features to the application and also the ease of portability to new, previously unsupported </a:t>
+            </a:r>
+            <a:r>
+              <a:rPr lang="en-US" sz="1900" dirty="0" smtClean="0"/>
+              <a:t>devices</a:t>
+            </a:r>
+          </a:p>
+          <a:p>
+            <a:pPr lvl="3"/>
+            <a:r>
+              <a:rPr lang="en-US" sz="1900" dirty="0" smtClean="0"/>
+              <a:t>Testability: take advantage </a:t>
+            </a:r>
+            <a:r>
+              <a:rPr lang="en-US" sz="1900" dirty="0"/>
+              <a:t>of the test suites generated by ASP.NET for all of the </a:t>
+            </a:r>
+            <a:r>
+              <a:rPr lang="en-US" sz="1900" dirty="0" smtClean="0"/>
+              <a:t>functionalities of the application</a:t>
+            </a:r>
           </a:p>
         </p:txBody>
       </p:sp>
     </p:spTree>
     <p:extLst>
       <p:ext uri="{BB962C8B-B14F-4D97-AF65-F5344CB8AC3E}">
-        <p14:creationId xmlns:p14="http://schemas.microsoft.com/office/powerpoint/2010/main" val="1330809228"/>
+        <p14:creationId xmlns:p14="http://schemas.microsoft.com/office/powerpoint/2010/main" val="4287357941"/>
       </p:ext>
     </p:extLst>
   </p:cSld>
@@ -6903,57 +5719,53 @@
             <a:pPr lvl="1"/>
             <a:r>
               <a:rPr lang="en-US" sz="2200" dirty="0" smtClean="0"/>
-              <a:t>Maintainability:</a:t>
-            </a:r>
-            <a:endParaRPr lang="en-US" dirty="0"/>
+              <a:t>Portability:</a:t>
+            </a:r>
           </a:p>
           <a:p>
             <a:pPr lvl="2"/>
             <a:r>
               <a:rPr lang="en-US" sz="2000" dirty="0"/>
-              <a:t>S</a:t>
+              <a:t>P</a:t>
             </a:r>
             <a:r>
               <a:rPr lang="en-US" sz="2000" dirty="0" smtClean="0"/>
-              <a:t>pecifies </a:t>
+              <a:t>roject requirement: compatible with </a:t>
             </a:r>
             <a:r>
               <a:rPr lang="en-US" sz="2000" dirty="0"/>
-              <a:t>the degree of extensibility and </a:t>
+              <a:t>both mobile and desktop </a:t>
             </a:r>
             <a:r>
               <a:rPr lang="en-US" sz="2000" dirty="0" smtClean="0"/>
-              <a:t>testability</a:t>
+              <a:t>environments</a:t>
             </a:r>
           </a:p>
           <a:p>
             <a:pPr lvl="3"/>
             <a:r>
-              <a:rPr lang="en-US" sz="1900" dirty="0" smtClean="0"/>
-              <a:t>Extensibility: both </a:t>
-            </a:r>
-            <a:r>
-              <a:rPr lang="en-US" sz="1900" dirty="0"/>
-              <a:t>the easy addition of new features to the application and also the ease of portability to new, previously unsupported </a:t>
-            </a:r>
-            <a:r>
-              <a:rPr lang="en-US" sz="1900" dirty="0" smtClean="0"/>
-              <a:t>devices</a:t>
-            </a:r>
-          </a:p>
-          <a:p>
-            <a:pPr lvl="3"/>
-            <a:r>
-              <a:rPr lang="en-US" sz="1900" dirty="0" smtClean="0"/>
-              <a:t>Testability: take advantage </a:t>
-            </a:r>
-            <a:r>
-              <a:rPr lang="en-US" sz="1900" dirty="0"/>
-              <a:t>of the test suites generated by ASP.NET for all of the </a:t>
-            </a:r>
-            <a:r>
-              <a:rPr lang="en-US" sz="1900" dirty="0" smtClean="0"/>
-              <a:t>functionalities of the application</a:t>
+              <a:rPr lang="en-US" sz="1700" dirty="0" smtClean="0"/>
+              <a:t> </a:t>
+            </a:r>
+            <a:r>
+              <a:rPr lang="en-US" sz="1700" dirty="0"/>
+              <a:t>the application will be designed and coded so that all its functionality is compatible with web browsers in PC, Mac, Android, iPhone, and iPad.  The effect of this multi-platform design intent is that the application will be easily portable to each supported environment. </a:t>
+            </a:r>
+            <a:endParaRPr lang="en-US" sz="1700" dirty="0" smtClean="0"/>
+          </a:p>
+          <a:p>
+            <a:pPr lvl="2"/>
+            <a:r>
+              <a:rPr lang="en-US" sz="2200" dirty="0"/>
+              <a:t>T</a:t>
+            </a:r>
+            <a:r>
+              <a:rPr lang="en-US" sz="2200" dirty="0" smtClean="0"/>
+              <a:t>esting </a:t>
+            </a:r>
+            <a:r>
+              <a:rPr lang="en-US" sz="2200" dirty="0"/>
+              <a:t>of all functionality of the application will be carried out on each supported device during phase 3 testing.</a:t>
             </a:r>
           </a:p>
         </p:txBody>
@@ -6961,7 +5773,7 @@
     </p:spTree>
     <p:extLst>
       <p:ext uri="{BB962C8B-B14F-4D97-AF65-F5344CB8AC3E}">
-        <p14:creationId xmlns:p14="http://schemas.microsoft.com/office/powerpoint/2010/main" val="4287357941"/>
+        <p14:creationId xmlns:p14="http://schemas.microsoft.com/office/powerpoint/2010/main" val="3273433554"/>
       </p:ext>
     </p:extLst>
   </p:cSld>
@@ -7037,70 +5849,119 @@
           <a:lstStyle/>
           <a:p>
             <a:r>
-              <a:rPr lang="en-US" dirty="0" smtClean="0"/>
-              <a:t>Non-Functional Requirements</a:t>
+              <a:rPr lang="en-US" sz="2200" dirty="0" smtClean="0"/>
+              <a:t>Design Constraints: </a:t>
             </a:r>
           </a:p>
           <a:p>
             <a:pPr lvl="1"/>
             <a:r>
+              <a:rPr lang="en-US" sz="2000" dirty="0"/>
+              <a:t>R</a:t>
+            </a:r>
+            <a:r>
+              <a:rPr lang="en-US" sz="2000" dirty="0" smtClean="0"/>
+              <a:t>equire </a:t>
+            </a:r>
+            <a:r>
+              <a:rPr lang="en-US" sz="2000" dirty="0"/>
+              <a:t>at most four gigabytes of RAM during normal use.  </a:t>
+            </a:r>
+          </a:p>
+          <a:p>
+            <a:pPr lvl="1"/>
+            <a:r>
+              <a:rPr lang="en-US" sz="2000" dirty="0" smtClean="0"/>
+              <a:t>UI is </a:t>
+            </a:r>
+            <a:r>
+              <a:rPr lang="en-US" sz="2000" dirty="0"/>
+              <a:t>constrained in size and complexity to support portability to touchscreen devices and devices with small screens</a:t>
+            </a:r>
+            <a:r>
+              <a:rPr lang="en-US" sz="2000" dirty="0" smtClean="0"/>
+              <a:t>.</a:t>
+            </a:r>
+          </a:p>
+          <a:p>
+            <a:pPr lvl="1"/>
+            <a:r>
+              <a:rPr lang="en-US" sz="2000" dirty="0"/>
+              <a:t>D</a:t>
+            </a:r>
+            <a:r>
+              <a:rPr lang="en-US" sz="2000" dirty="0" smtClean="0"/>
+              <a:t>ifficulty </a:t>
+            </a:r>
+            <a:r>
+              <a:rPr lang="en-US" sz="2000" dirty="0"/>
+              <a:t>of implementing a social media </a:t>
+            </a:r>
+            <a:r>
+              <a:rPr lang="en-US" sz="2000" dirty="0" smtClean="0"/>
+              <a:t>login</a:t>
+            </a:r>
+          </a:p>
+          <a:p>
+            <a:pPr lvl="2"/>
+            <a:r>
+              <a:rPr lang="en-US" sz="1900" dirty="0" smtClean="0"/>
+              <a:t>Due </a:t>
+            </a:r>
+            <a:r>
+              <a:rPr lang="en-US" sz="1900" dirty="0"/>
+              <a:t>to user data privacy constraints, logging into the application using the user’s social media account remains a </a:t>
+            </a:r>
+            <a:r>
+              <a:rPr lang="en-US" sz="1900" dirty="0" smtClean="0"/>
+              <a:t>challenge</a:t>
+            </a:r>
+          </a:p>
+          <a:p>
+            <a:pPr lvl="2"/>
+            <a:endParaRPr lang="en-US" sz="1900" dirty="0"/>
+          </a:p>
+          <a:p>
+            <a:r>
               <a:rPr lang="en-US" sz="2200" dirty="0" smtClean="0"/>
-              <a:t>Portability:</a:t>
-            </a:r>
-          </a:p>
-          <a:p>
-            <a:pPr lvl="2"/>
+              <a:t>Database Constraints</a:t>
+            </a:r>
+            <a:r>
+              <a:rPr lang="en-US" sz="2200" dirty="0"/>
+              <a:t>: </a:t>
+            </a:r>
+          </a:p>
+          <a:p>
+            <a:pPr lvl="1"/>
             <a:r>
               <a:rPr lang="en-US" sz="2000" dirty="0"/>
-              <a:t>P</a:t>
-            </a:r>
+              <a:t>A SQL Server database will be used in the backend to store information entered by the user, display jobs to users and display registered users to admin. </a:t>
+            </a:r>
+            <a:endParaRPr lang="en-US" sz="2000" dirty="0" smtClean="0"/>
+          </a:p>
+          <a:p>
+            <a:pPr lvl="1"/>
             <a:r>
               <a:rPr lang="en-US" sz="2000" dirty="0" smtClean="0"/>
-              <a:t>roject requirement: compatible with </a:t>
+              <a:t>The </a:t>
             </a:r>
             <a:r>
               <a:rPr lang="en-US" sz="2000" dirty="0"/>
-              <a:t>both mobile and desktop </a:t>
-            </a:r>
-            <a:r>
-              <a:rPr lang="en-US" sz="2000" dirty="0" smtClean="0"/>
-              <a:t>environments</a:t>
-            </a:r>
-          </a:p>
-          <a:p>
-            <a:pPr lvl="3"/>
-            <a:r>
-              <a:rPr lang="en-US" sz="1700" dirty="0" smtClean="0"/>
-              <a:t> </a:t>
-            </a:r>
-            <a:r>
-              <a:rPr lang="en-US" sz="1700" dirty="0"/>
-              <a:t>the application will be designed and coded so that all its functionality is compatible with web browsers in PC, Mac, Android, iPhone, and iPad.  The effect of this multi-platform design intent is that the application will be easily portable to each supported environment. </a:t>
-            </a:r>
-            <a:endParaRPr lang="en-US" sz="1700" dirty="0" smtClean="0"/>
-          </a:p>
-          <a:p>
-            <a:pPr lvl="2"/>
-            <a:r>
-              <a:rPr lang="en-US" sz="2200" dirty="0"/>
-              <a:t>T</a:t>
-            </a:r>
-            <a:r>
-              <a:rPr lang="en-US" sz="2200" dirty="0" smtClean="0"/>
-              <a:t>esting </a:t>
-            </a:r>
-            <a:r>
-              <a:rPr lang="en-US" sz="2200" dirty="0"/>
-              <a:t>of all functionality of the application will be carried out on each supported device during phase 3 testing.</a:t>
-            </a:r>
-            <a:endParaRPr lang="en-US" sz="2200" dirty="0"/>
+              <a:t>front-end will be on the user/admin machine.</a:t>
+            </a:r>
+          </a:p>
+          <a:p>
+            <a:pPr marL="0" indent="0">
+              <a:buNone/>
+            </a:pPr>
+            <a:endParaRPr lang="en-US" dirty="0"/>
           </a:p>
         </p:txBody>
       </p:sp>
     </p:spTree>
     <p:extLst>
       <p:ext uri="{BB962C8B-B14F-4D97-AF65-F5344CB8AC3E}">
-        <p14:creationId xmlns:p14="http://schemas.microsoft.com/office/powerpoint/2010/main" val="3273433554"/>
+        <p14:creationId xmlns:p14="http://schemas.microsoft.com/office/powerpoint/2010/main" val="1937343997"/>
       </p:ext>
     </p:extLst>
   </p:cSld>
@@ -7177,119 +6038,93 @@
           <a:p>
             <a:r>
               <a:rPr lang="en-US" sz="2200" dirty="0" smtClean="0"/>
-              <a:t>Design Constraints: </a:t>
+              <a:t>Mobile Platform Compatibility:</a:t>
             </a:r>
           </a:p>
           <a:p>
             <a:pPr lvl="1"/>
             <a:r>
               <a:rPr lang="en-US" sz="2000" dirty="0"/>
-              <a:t>R</a:t>
+              <a:t>C</a:t>
             </a:r>
             <a:r>
               <a:rPr lang="en-US" sz="2000" dirty="0" smtClean="0"/>
-              <a:t>equire </a:t>
+              <a:t>ompatible </a:t>
             </a:r>
             <a:r>
               <a:rPr lang="en-US" sz="2000" dirty="0"/>
-              <a:t>at most four gigabytes of RAM during normal use.  </a:t>
-            </a:r>
-            <a:endParaRPr lang="en-US" sz="2000" dirty="0"/>
+              <a:t>with mobile phones and tablets along with </a:t>
+            </a:r>
+            <a:r>
+              <a:rPr lang="en-US" sz="2000" dirty="0" smtClean="0"/>
+              <a:t>PCs,</a:t>
+            </a:r>
+          </a:p>
+          <a:p>
+            <a:pPr lvl="2"/>
+            <a:r>
+              <a:rPr lang="en-US" sz="1900" dirty="0" smtClean="0"/>
+              <a:t>primarily </a:t>
+            </a:r>
+            <a:r>
+              <a:rPr lang="en-US" sz="1900" dirty="0"/>
+              <a:t>iOS and Android based devices. </a:t>
+            </a:r>
+            <a:endParaRPr lang="en-US" sz="1900" dirty="0" smtClean="0"/>
           </a:p>
           <a:p>
             <a:pPr lvl="1"/>
             <a:r>
               <a:rPr lang="en-US" sz="2000" dirty="0" smtClean="0"/>
-              <a:t>UI is </a:t>
+              <a:t>User </a:t>
             </a:r>
             <a:r>
               <a:rPr lang="en-US" sz="2000" dirty="0"/>
-              <a:t>constrained in size and complexity to support portability to touchscreen devices and devices with small screens</a:t>
+              <a:t>view is configured to the device’s screen resolution and can be accessed from any web browser installed on the </a:t>
+            </a:r>
+            <a:r>
+              <a:rPr lang="en-US" sz="2000" dirty="0" smtClean="0"/>
+              <a:t>device.</a:t>
+            </a:r>
+          </a:p>
+          <a:p>
+            <a:pPr lvl="1"/>
+            <a:r>
+              <a:rPr lang="en-US" sz="2000" dirty="0" smtClean="0"/>
+              <a:t>User </a:t>
+            </a:r>
+            <a:r>
+              <a:rPr lang="en-US" sz="2000" dirty="0"/>
+              <a:t>has the ability to use every functionality in the app on these mobile devices</a:t>
             </a:r>
             <a:r>
               <a:rPr lang="en-US" sz="2000" dirty="0" smtClean="0"/>
               <a:t>.</a:t>
             </a:r>
-          </a:p>
-          <a:p>
-            <a:pPr lvl="1"/>
-            <a:r>
-              <a:rPr lang="en-US" sz="2000" dirty="0"/>
-              <a:t>D</a:t>
-            </a:r>
-            <a:r>
-              <a:rPr lang="en-US" sz="2000" dirty="0" smtClean="0"/>
-              <a:t>ifficulty </a:t>
-            </a:r>
-            <a:r>
-              <a:rPr lang="en-US" sz="2000" dirty="0"/>
-              <a:t>of implementing a social media </a:t>
-            </a:r>
-            <a:r>
-              <a:rPr lang="en-US" sz="2000" dirty="0" smtClean="0"/>
-              <a:t>login</a:t>
-            </a:r>
+            <a:endParaRPr lang="en-US" sz="1700" dirty="0" smtClean="0"/>
           </a:p>
           <a:p>
             <a:pPr lvl="2"/>
             <a:r>
+              <a:rPr lang="en-US" sz="1900" dirty="0"/>
+              <a:t>U</a:t>
+            </a:r>
+            <a:r>
               <a:rPr lang="en-US" sz="1900" dirty="0" smtClean="0"/>
-              <a:t>Due </a:t>
+              <a:t>ser unable </a:t>
             </a:r>
             <a:r>
               <a:rPr lang="en-US" sz="1900" dirty="0"/>
-              <a:t>to user data privacy constraints, logging into the application using the user’s social media account remains a </a:t>
-            </a:r>
-            <a:r>
-              <a:rPr lang="en-US" sz="1900" dirty="0" smtClean="0"/>
-              <a:t>challenge</a:t>
-            </a:r>
-          </a:p>
-          <a:p>
-            <a:pPr lvl="2"/>
-            <a:endParaRPr lang="en-US" sz="1900" dirty="0"/>
-          </a:p>
-          <a:p>
-            <a:r>
-              <a:rPr lang="en-US" sz="2200" dirty="0" smtClean="0"/>
-              <a:t>Database Constraints</a:t>
-            </a:r>
-            <a:r>
-              <a:rPr lang="en-US" sz="2200" dirty="0"/>
-              <a:t>: </a:t>
-            </a:r>
-          </a:p>
-          <a:p>
-            <a:pPr lvl="1"/>
-            <a:r>
-              <a:rPr lang="en-US" sz="2000" dirty="0"/>
-              <a:t>A SQL Server database will be used in the backend to store information entered by the user, display jobs to users and display registered users to admin. </a:t>
-            </a:r>
-            <a:endParaRPr lang="en-US" sz="2000" dirty="0" smtClean="0"/>
-          </a:p>
-          <a:p>
-            <a:pPr lvl="1"/>
-            <a:r>
-              <a:rPr lang="en-US" sz="2000" dirty="0" smtClean="0"/>
-              <a:t>The </a:t>
-            </a:r>
-            <a:r>
-              <a:rPr lang="en-US" sz="2000" dirty="0"/>
-              <a:t>front-end will be on the user/admin machine.</a:t>
-            </a:r>
-          </a:p>
-          <a:p>
-            <a:pPr marL="0" indent="0">
-              <a:buNone/>
-            </a:pPr>
-            <a:endParaRPr lang="en-US" dirty="0"/>
+              <a:t>to upload resumes from iOS based devices. </a:t>
+            </a:r>
+            <a:endParaRPr lang="en-US" sz="1900" dirty="0" smtClean="0"/>
           </a:p>
         </p:txBody>
       </p:sp>
     </p:spTree>
     <p:extLst>
       <p:ext uri="{BB962C8B-B14F-4D97-AF65-F5344CB8AC3E}">
-        <p14:creationId xmlns:p14="http://schemas.microsoft.com/office/powerpoint/2010/main" val="1937343997"/>
+        <p14:creationId xmlns:p14="http://schemas.microsoft.com/office/powerpoint/2010/main" val="4076892089"/>
       </p:ext>
     </p:extLst>
   </p:cSld>
@@ -7341,169 +6176,6 @@
             <a:pPr algn="ctr"/>
             <a:r>
               <a:rPr lang="en-US" dirty="0" smtClean="0"/>
-              <a:t>Specific Requirements</a:t>
-            </a:r>
-            <a:endParaRPr lang="en-US" dirty="0"/>
-          </a:p>
-        </p:txBody>
-      </p:sp>
-      <p:sp>
-        <p:nvSpPr>
-          <p:cNvPr id="3" name="Content Placeholder 2"/>
-          <p:cNvSpPr>
-            <a:spLocks noGrp="1"/>
-          </p:cNvSpPr>
-          <p:nvPr>
-            <p:ph idx="1"/>
-          </p:nvPr>
-        </p:nvSpPr>
-        <p:spPr/>
-        <p:txBody>
-          <a:bodyPr>
-            <a:normAutofit/>
-          </a:bodyPr>
-          <a:lstStyle/>
-          <a:p>
-            <a:r>
-              <a:rPr lang="en-US" sz="2200" dirty="0" smtClean="0"/>
-              <a:t>Mobile Platform Compatibility:</a:t>
-            </a:r>
-          </a:p>
-          <a:p>
-            <a:pPr lvl="1"/>
-            <a:r>
-              <a:rPr lang="en-US" sz="2000" dirty="0"/>
-              <a:t>C</a:t>
-            </a:r>
-            <a:r>
-              <a:rPr lang="en-US" sz="2000" dirty="0" smtClean="0"/>
-              <a:t>ompatible </a:t>
-            </a:r>
-            <a:r>
-              <a:rPr lang="en-US" sz="2000" dirty="0"/>
-              <a:t>with mobile phones and tablets along with </a:t>
-            </a:r>
-            <a:r>
-              <a:rPr lang="en-US" sz="2000" dirty="0" smtClean="0"/>
-              <a:t>PCs,</a:t>
-            </a:r>
-          </a:p>
-          <a:p>
-            <a:pPr lvl="2"/>
-            <a:r>
-              <a:rPr lang="en-US" sz="1900" dirty="0" smtClean="0"/>
-              <a:t>primarily </a:t>
-            </a:r>
-            <a:r>
-              <a:rPr lang="en-US" sz="1900" dirty="0"/>
-              <a:t>iOS and Android based devices. </a:t>
-            </a:r>
-            <a:endParaRPr lang="en-US" sz="1900" dirty="0" smtClean="0"/>
-          </a:p>
-          <a:p>
-            <a:pPr lvl="1"/>
-            <a:r>
-              <a:rPr lang="en-US" sz="2000" dirty="0" smtClean="0"/>
-              <a:t>User </a:t>
-            </a:r>
-            <a:r>
-              <a:rPr lang="en-US" sz="2000" dirty="0"/>
-              <a:t>view is configured to the device’s screen resolution and can be accessed from any web browser installed on the </a:t>
-            </a:r>
-            <a:r>
-              <a:rPr lang="en-US" sz="2000" dirty="0" smtClean="0"/>
-              <a:t>device.</a:t>
-            </a:r>
-          </a:p>
-          <a:p>
-            <a:pPr lvl="1"/>
-            <a:r>
-              <a:rPr lang="en-US" sz="2000" dirty="0" smtClean="0"/>
-              <a:t>User </a:t>
-            </a:r>
-            <a:r>
-              <a:rPr lang="en-US" sz="2000" dirty="0"/>
-              <a:t>has the ability to use every functionality in the app on these mobile devices</a:t>
-            </a:r>
-            <a:r>
-              <a:rPr lang="en-US" sz="2000" dirty="0" smtClean="0"/>
-              <a:t>.</a:t>
-            </a:r>
-            <a:endParaRPr lang="en-US" sz="1700" dirty="0" smtClean="0"/>
-          </a:p>
-          <a:p>
-            <a:pPr lvl="2"/>
-            <a:r>
-              <a:rPr lang="en-US" sz="1900" dirty="0"/>
-              <a:t>U</a:t>
-            </a:r>
-            <a:r>
-              <a:rPr lang="en-US" sz="1900" dirty="0" smtClean="0"/>
-              <a:t>ser unable </a:t>
-            </a:r>
-            <a:r>
-              <a:rPr lang="en-US" sz="1900" dirty="0"/>
-              <a:t>to upload resumes from iOS based devices. </a:t>
-            </a:r>
-            <a:endParaRPr lang="en-US" sz="1900" dirty="0" smtClean="0"/>
-          </a:p>
-        </p:txBody>
-      </p:sp>
-    </p:spTree>
-    <p:extLst>
-      <p:ext uri="{BB962C8B-B14F-4D97-AF65-F5344CB8AC3E}">
-        <p14:creationId xmlns:p14="http://schemas.microsoft.com/office/powerpoint/2010/main" val="4076892089"/>
-      </p:ext>
-    </p:extLst>
-  </p:cSld>
-  <p:clrMapOvr>
-    <a:masterClrMapping/>
-  </p:clrMapOvr>
-  <p:timing>
-    <p:tnLst>
-      <p:par>
-        <p:cTn id="1" dur="indefinite" restart="never" nodeType="tmRoot"/>
-      </p:par>
-    </p:tnLst>
-  </p:timing>
-</p:sld>
-</file>
-
-<file path=ppt/slides/slide26.xml><?xml version="1.0" encoding="utf-8"?>
-<p:sld xmlns:a="http://schemas.openxmlformats.org/drawingml/2006/main" xmlns:r="http://schemas.openxmlformats.org/officeDocument/2006/relationships" xmlns:p="http://schemas.openxmlformats.org/presentationml/2006/main">
-  <p:cSld>
-    <p:spTree>
-      <p:nvGrpSpPr>
-        <p:cNvPr id="1" name=""/>
-        <p:cNvGrpSpPr/>
-        <p:nvPr/>
-      </p:nvGrpSpPr>
-      <p:grpSpPr>
-        <a:xfrm>
-          <a:off x="0" y="0"/>
-          <a:ext cx="0" cy="0"/>
-          <a:chOff x="0" y="0"/>
-          <a:chExt cx="0" cy="0"/>
-        </a:xfrm>
-      </p:grpSpPr>
-      <p:sp>
-        <p:nvSpPr>
-          <p:cNvPr id="2" name="Title 1"/>
-          <p:cNvSpPr>
-            <a:spLocks noGrp="1"/>
-          </p:cNvSpPr>
-          <p:nvPr>
-            <p:ph type="title"/>
-          </p:nvPr>
-        </p:nvSpPr>
-        <p:spPr/>
-        <p:txBody>
-          <a:bodyPr/>
-          <a:lstStyle/>
-          <a:p>
-            <a:pPr algn="ctr"/>
-            <a:r>
-              <a:rPr lang="en-US" dirty="0" smtClean="0"/>
               <a:t>Analysis Models</a:t>
             </a:r>
             <a:endParaRPr lang="en-US" dirty="0"/>
@@ -7585,7 +6257,7 @@
 </p:sld>
 </file>
 
-<file path=ppt/slides/slide27.xml><?xml version="1.0" encoding="utf-8"?>
+<file path=ppt/slides/slide26.xml><?xml version="1.0" encoding="utf-8"?>
 <p:sld xmlns:a="http://schemas.openxmlformats.org/drawingml/2006/main" xmlns:r="http://schemas.openxmlformats.org/officeDocument/2006/relationships" xmlns:p="http://schemas.openxmlformats.org/presentationml/2006/main">
   <p:cSld>
     <p:spTree>
@@ -7648,7 +6320,7 @@
 </p:sld>
 </file>
 
-<file path=ppt/slides/slide28.xml><?xml version="1.0" encoding="utf-8"?>
+<file path=ppt/slides/slide27.xml><?xml version="1.0" encoding="utf-8"?>
 <p:sld xmlns:a="http://schemas.openxmlformats.org/drawingml/2006/main" xmlns:r="http://schemas.openxmlformats.org/officeDocument/2006/relationships" xmlns:p="http://schemas.openxmlformats.org/presentationml/2006/main">
   <p:cSld>
     <p:spTree>
@@ -7761,7 +6433,7 @@
 </p:sld>
 </file>
 
-<file path=ppt/slides/slide29.xml><?xml version="1.0" encoding="utf-8"?>
+<file path=ppt/slides/slide28.xml><?xml version="1.0" encoding="utf-8"?>
 <p:sld xmlns:a="http://schemas.openxmlformats.org/drawingml/2006/main" xmlns:r="http://schemas.openxmlformats.org/officeDocument/2006/relationships" xmlns:p="http://schemas.openxmlformats.org/presentationml/2006/main">
   <p:cSld>
     <p:spTree>
@@ -9266,7 +7938,6 @@
               <a:rPr lang="en-US" sz="2200" dirty="0"/>
               <a:t>is no initial foundation </a:t>
             </a:r>
-            <a:endParaRPr lang="en-US" sz="2200" dirty="0"/>
           </a:p>
           <a:p>
             <a:pPr lvl="1"/>
@@ -9282,7 +7953,6 @@
               <a:rPr lang="en-US" sz="2200" dirty="0"/>
               <a:t>will consist of a backend and a frontend. </a:t>
             </a:r>
-            <a:endParaRPr lang="en-US" sz="2200" dirty="0"/>
           </a:p>
           <a:p>
             <a:pPr lvl="2"/>

--- a/Requirements Specification/Requirement Specification Presentation.pptx
+++ b/Requirements Specification/Requirement Specification Presentation.pptx
@@ -6468,8 +6468,8 @@
         </p:blipFill>
         <p:spPr>
           <a:xfrm>
-            <a:off x="1447800" y="152400"/>
-            <a:ext cx="6324600" cy="6553200"/>
+            <a:off x="2286000" y="152400"/>
+            <a:ext cx="4876800" cy="6553200"/>
           </a:xfrm>
           <a:prstGeom prst="rect">
             <a:avLst/>
